--- a/提出（学生が出す）ー岡本/AM/17813/今日、アオザイはベトナムの伝統の.pptx
+++ b/提出（学生が出す）ー岡本/AM/17813/今日、アオザイはベトナムの伝統の.pptx
@@ -5,10 +5,10 @@
     <p:sldMasterId id="2147483648" r:id="rId1"/>
   </p:sldMasterIdLst>
   <p:sldIdLst>
-    <p:sldId id="256" r:id="rId2"/>
+    <p:sldId id="259" r:id="rId2"/>
     <p:sldId id="257" r:id="rId3"/>
     <p:sldId id="258" r:id="rId4"/>
-    <p:sldId id="259" r:id="rId5"/>
+    <p:sldId id="256" r:id="rId5"/>
     <p:sldId id="260" r:id="rId6"/>
   </p:sldIdLst>
   <p:sldSz cx="12192000" cy="6858000"/>
@@ -108,6 +108,11 @@
       </a:defRPr>
     </a:lvl9pPr>
   </p:defaultTextStyle>
+  <p:extLst>
+    <p:ext uri="{EFAFB233-063F-42B5-8137-9DF3F51BA10A}">
+      <p15:sldGuideLst xmlns:p15="http://schemas.microsoft.com/office/powerpoint/2012/main"/>
+    </p:ext>
+  </p:extLst>
 </p:presentation>
 </file>
 
@@ -242,7 +247,7 @@
           <a:p>
             <a:fld id="{6A45F155-985A-4278-AF5D-4263EEDC5649}" type="datetimeFigureOut">
               <a:rPr kumimoji="1" lang="ja-JP" altLang="en-US" smtClean="0"/>
-              <a:t>2019/11/6</a:t>
+              <a:t>2019/11/22</a:t>
             </a:fld>
             <a:endParaRPr kumimoji="1" lang="ja-JP" altLang="en-US"/>
           </a:p>
@@ -444,7 +449,7 @@
           <a:p>
             <a:fld id="{6A45F155-985A-4278-AF5D-4263EEDC5649}" type="datetimeFigureOut">
               <a:rPr kumimoji="1" lang="ja-JP" altLang="en-US" smtClean="0"/>
-              <a:t>2019/11/6</a:t>
+              <a:t>2019/11/22</a:t>
             </a:fld>
             <a:endParaRPr kumimoji="1" lang="ja-JP" altLang="en-US"/>
           </a:p>
@@ -656,7 +661,7 @@
           <a:p>
             <a:fld id="{6A45F155-985A-4278-AF5D-4263EEDC5649}" type="datetimeFigureOut">
               <a:rPr kumimoji="1" lang="ja-JP" altLang="en-US" smtClean="0"/>
-              <a:t>2019/11/6</a:t>
+              <a:t>2019/11/22</a:t>
             </a:fld>
             <a:endParaRPr kumimoji="1" lang="ja-JP" altLang="en-US"/>
           </a:p>
@@ -858,7 +863,7 @@
           <a:p>
             <a:fld id="{6A45F155-985A-4278-AF5D-4263EEDC5649}" type="datetimeFigureOut">
               <a:rPr kumimoji="1" lang="ja-JP" altLang="en-US" smtClean="0"/>
-              <a:t>2019/11/6</a:t>
+              <a:t>2019/11/22</a:t>
             </a:fld>
             <a:endParaRPr kumimoji="1" lang="ja-JP" altLang="en-US"/>
           </a:p>
@@ -1104,7 +1109,7 @@
           <a:p>
             <a:fld id="{6A45F155-985A-4278-AF5D-4263EEDC5649}" type="datetimeFigureOut">
               <a:rPr kumimoji="1" lang="ja-JP" altLang="en-US" smtClean="0"/>
-              <a:t>2019/11/6</a:t>
+              <a:t>2019/11/22</a:t>
             </a:fld>
             <a:endParaRPr kumimoji="1" lang="ja-JP" altLang="en-US"/>
           </a:p>
@@ -1400,7 +1405,7 @@
           <a:p>
             <a:fld id="{6A45F155-985A-4278-AF5D-4263EEDC5649}" type="datetimeFigureOut">
               <a:rPr kumimoji="1" lang="ja-JP" altLang="en-US" smtClean="0"/>
-              <a:t>2019/11/6</a:t>
+              <a:t>2019/11/22</a:t>
             </a:fld>
             <a:endParaRPr kumimoji="1" lang="ja-JP" altLang="en-US"/>
           </a:p>
@@ -1831,7 +1836,7 @@
           <a:p>
             <a:fld id="{6A45F155-985A-4278-AF5D-4263EEDC5649}" type="datetimeFigureOut">
               <a:rPr kumimoji="1" lang="ja-JP" altLang="en-US" smtClean="0"/>
-              <a:t>2019/11/6</a:t>
+              <a:t>2019/11/22</a:t>
             </a:fld>
             <a:endParaRPr kumimoji="1" lang="ja-JP" altLang="en-US"/>
           </a:p>
@@ -1949,7 +1954,7 @@
           <a:p>
             <a:fld id="{6A45F155-985A-4278-AF5D-4263EEDC5649}" type="datetimeFigureOut">
               <a:rPr kumimoji="1" lang="ja-JP" altLang="en-US" smtClean="0"/>
-              <a:t>2019/11/6</a:t>
+              <a:t>2019/11/22</a:t>
             </a:fld>
             <a:endParaRPr kumimoji="1" lang="ja-JP" altLang="en-US"/>
           </a:p>
@@ -2044,7 +2049,7 @@
           <a:p>
             <a:fld id="{6A45F155-985A-4278-AF5D-4263EEDC5649}" type="datetimeFigureOut">
               <a:rPr kumimoji="1" lang="ja-JP" altLang="en-US" smtClean="0"/>
-              <a:t>2019/11/6</a:t>
+              <a:t>2019/11/22</a:t>
             </a:fld>
             <a:endParaRPr kumimoji="1" lang="ja-JP" altLang="en-US"/>
           </a:p>
@@ -2353,7 +2358,7 @@
           <a:p>
             <a:fld id="{6A45F155-985A-4278-AF5D-4263EEDC5649}" type="datetimeFigureOut">
               <a:rPr kumimoji="1" lang="ja-JP" altLang="en-US" smtClean="0"/>
-              <a:t>2019/11/6</a:t>
+              <a:t>2019/11/22</a:t>
             </a:fld>
             <a:endParaRPr kumimoji="1" lang="ja-JP" altLang="en-US"/>
           </a:p>
@@ -2606,7 +2611,7 @@
           <a:p>
             <a:fld id="{6A45F155-985A-4278-AF5D-4263EEDC5649}" type="datetimeFigureOut">
               <a:rPr kumimoji="1" lang="ja-JP" altLang="en-US" smtClean="0"/>
-              <a:t>2019/11/6</a:t>
+              <a:t>2019/11/22</a:t>
             </a:fld>
             <a:endParaRPr kumimoji="1" lang="ja-JP" altLang="en-US"/>
           </a:p>
@@ -2851,7 +2856,7 @@
           <a:p>
             <a:fld id="{6A45F155-985A-4278-AF5D-4263EEDC5649}" type="datetimeFigureOut">
               <a:rPr kumimoji="1" lang="ja-JP" altLang="en-US" smtClean="0"/>
-              <a:t>2019/11/6</a:t>
+              <a:t>2019/11/22</a:t>
             </a:fld>
             <a:endParaRPr kumimoji="1" lang="ja-JP" altLang="en-US"/>
           </a:p>
@@ -3242,6 +3247,15 @@
 <file path=ppt/slides/slide1.xml><?xml version="1.0" encoding="utf-8"?>
 <p:sld xmlns:a="http://schemas.openxmlformats.org/drawingml/2006/main" xmlns:r="http://schemas.openxmlformats.org/officeDocument/2006/relationships" xmlns:p="http://schemas.openxmlformats.org/presentationml/2006/main">
   <p:cSld>
+    <p:bg>
+      <p:bgPr>
+        <a:blipFill>
+          <a:blip r:embed="rId2"/>
+          <a:tile tx="0" ty="0" sx="100000" sy="100000" flip="none" algn="tl"/>
+        </a:blipFill>
+        <a:effectLst/>
+      </p:bgPr>
+    </p:bg>
     <p:spTree>
       <p:nvGrpSpPr>
         <p:cNvPr id="1" name=""/>
@@ -3263,143 +3277,36 @@
             <a:spLocks noGrp="1"/>
           </p:cNvSpPr>
           <p:nvPr>
-            <p:ph type="ctrTitle"/>
+            <p:ph type="title"/>
           </p:nvPr>
         </p:nvSpPr>
         <p:spPr>
           <a:xfrm>
-            <a:off x="222143" y="1"/>
-            <a:ext cx="8952854" cy="2433234"/>
+            <a:off x="271105" y="365126"/>
+            <a:ext cx="11339336" cy="1143325"/>
           </a:xfrm>
+          <a:solidFill>
+            <a:srgbClr val="00B050"/>
+          </a:solidFill>
         </p:spPr>
         <p:txBody>
           <a:bodyPr>
-            <a:noAutofit/>
+            <a:normAutofit fontScale="90000"/>
           </a:bodyPr>
           <a:lstStyle/>
           <a:p>
-            <a:pPr algn="l"/>
-            <a:r>
-              <a:rPr lang="ja-JP" altLang="en-US" sz="1800" b="1" dirty="0"/>
-              <a:t>今日、アオザイはベトナムの伝統の典型的なシンボルになっており</a:t>
-            </a:r>
-            <a:r>
-              <a:rPr lang="ja-JP" altLang="en-US" sz="1800" b="1" dirty="0" smtClean="0"/>
-              <a:t>、</a:t>
-            </a:r>
-            <a:r>
-              <a:rPr lang="en-US" altLang="ja-JP" sz="1800" b="1" dirty="0"/>
-              <a:t/>
-            </a:r>
-            <a:br>
-              <a:rPr lang="en-US" altLang="ja-JP" sz="1800" b="1" dirty="0"/>
-            </a:br>
-            <a:r>
-              <a:rPr lang="en-US" altLang="ja-JP" sz="1800" b="1" dirty="0"/>
-              <a:t>		</a:t>
-            </a:r>
-            <a:r>
-              <a:rPr lang="ja-JP" altLang="en-US" sz="1800" b="1" dirty="0"/>
-              <a:t>公式には民族衣装としては認められていませんが、この国と世界中で人気があります</a:t>
-            </a:r>
-            <a:r>
-              <a:rPr lang="ja-JP" altLang="en-US" sz="1800" b="1" dirty="0" smtClean="0"/>
-              <a:t>。</a:t>
-            </a:r>
-            <a:r>
-              <a:rPr lang="en-US" altLang="ja-JP" sz="1800" b="1" dirty="0"/>
-              <a:t/>
-            </a:r>
-            <a:br>
-              <a:rPr lang="en-US" altLang="ja-JP" sz="1800" b="1" dirty="0"/>
-            </a:br>
-            <a:r>
-              <a:rPr lang="en-US" altLang="ja-JP" sz="1800" b="1" dirty="0"/>
-              <a:t>		</a:t>
-            </a:r>
-            <a:r>
-              <a:rPr lang="ja-JP" altLang="en-US" sz="1800" b="1" dirty="0"/>
-              <a:t>通常、生地の色は社会の人の状態を示すため、非常に重要です。 若い女性は、多くの場合</a:t>
-            </a:r>
-            <a:r>
-              <a:rPr lang="ja-JP" altLang="en-US" sz="1800" b="1" dirty="0" smtClean="0"/>
-              <a:t>、</a:t>
-            </a:r>
-            <a:r>
-              <a:rPr lang="en-US" altLang="ja-JP" sz="1800" b="1" dirty="0"/>
-              <a:t/>
-            </a:r>
-            <a:br>
-              <a:rPr lang="en-US" altLang="ja-JP" sz="1800" b="1" dirty="0"/>
-            </a:br>
-            <a:r>
-              <a:rPr lang="en-US" altLang="ja-JP" sz="1800" b="1" dirty="0"/>
-              <a:t>		</a:t>
-            </a:r>
-            <a:r>
-              <a:rPr lang="ja-JP" altLang="en-US" sz="1800" b="1" dirty="0"/>
-              <a:t>鮮明で新鮮な色を着ることを好みます。 彼女が成熟し始めると、彼らは未婚であることを示すためにパステル色になりました</a:t>
-            </a:r>
-            <a:r>
-              <a:rPr lang="ja-JP" altLang="en-US" sz="1800" b="1" dirty="0" smtClean="0"/>
-              <a:t>。</a:t>
-            </a:r>
-            <a:r>
-              <a:rPr lang="en-US" altLang="ja-JP" sz="1800" b="1" dirty="0"/>
-              <a:t/>
-            </a:r>
-            <a:br>
-              <a:rPr lang="en-US" altLang="ja-JP" sz="1800" b="1" dirty="0"/>
-            </a:br>
-            <a:r>
-              <a:rPr lang="en-US" altLang="ja-JP" sz="1800" b="1" dirty="0"/>
-              <a:t>		 </a:t>
-            </a:r>
-            <a:r>
-              <a:rPr lang="ja-JP" altLang="en-US" sz="1800" b="1" dirty="0"/>
-              <a:t>結婚後、彼女は暗い色で服を着る権利があります。 また、青や紫など、特別な機会のための特定の色もあります</a:t>
-            </a:r>
-            <a:r>
-              <a:rPr lang="ja-JP" altLang="en-US" sz="1800" b="1" dirty="0" smtClean="0"/>
-              <a:t>。</a:t>
-            </a:r>
-            <a:endParaRPr kumimoji="1" lang="ja-JP" altLang="en-US" sz="1800" b="1" dirty="0"/>
+            <a:pPr algn="ctr"/>
+            <a:r>
+              <a:rPr lang="ja-JP" altLang="en-US" sz="8000" b="1" dirty="0" smtClean="0"/>
+              <a:t>ハノイ首都</a:t>
+            </a:r>
+            <a:endParaRPr kumimoji="1" lang="ja-JP" altLang="en-US" sz="8000" b="1" dirty="0"/>
           </a:p>
         </p:txBody>
       </p:sp>
       <p:pic>
         <p:nvPicPr>
-          <p:cNvPr id="4" name="図 3"/>
-          <p:cNvPicPr>
-            <a:picLocks noChangeAspect="1"/>
-          </p:cNvPicPr>
-          <p:nvPr/>
-        </p:nvPicPr>
-        <p:blipFill>
-          <a:blip r:embed="rId2">
-            <a:extLst>
-              <a:ext uri="{28A0092B-C50C-407E-A947-70E740481C1C}">
-                <a14:useLocalDpi xmlns:a14="http://schemas.microsoft.com/office/drawing/2010/main" val="0"/>
-              </a:ext>
-            </a:extLst>
-          </a:blip>
-          <a:stretch>
-            <a:fillRect/>
-          </a:stretch>
-        </p:blipFill>
-        <p:spPr>
-          <a:xfrm>
-            <a:off x="0" y="2433234"/>
-            <a:ext cx="4277532" cy="4424765"/>
-          </a:xfrm>
-          <a:prstGeom prst="rect">
-            <a:avLst/>
-          </a:prstGeom>
-        </p:spPr>
-      </p:pic>
-      <p:pic>
-        <p:nvPicPr>
-          <p:cNvPr id="5" name="図 4"/>
+          <p:cNvPr id="3" name="図 2"/>
           <p:cNvPicPr>
             <a:picLocks noChangeAspect="1"/>
           </p:cNvPicPr>
@@ -3419,8 +3326,8 @@
         </p:blipFill>
         <p:spPr>
           <a:xfrm>
-            <a:off x="4532473" y="2433234"/>
-            <a:ext cx="3604137" cy="4424765"/>
+            <a:off x="271105" y="1802919"/>
+            <a:ext cx="5478766" cy="3063549"/>
           </a:xfrm>
           <a:prstGeom prst="rect">
             <a:avLst/>
@@ -3429,7 +3336,7 @@
       </p:pic>
       <p:pic>
         <p:nvPicPr>
-          <p:cNvPr id="6" name="図 5"/>
+          <p:cNvPr id="4" name="図 3"/>
           <p:cNvPicPr>
             <a:picLocks noChangeAspect="1"/>
           </p:cNvPicPr>
@@ -3449,18 +3356,122 @@
         </p:blipFill>
         <p:spPr>
           <a:xfrm>
-            <a:off x="8698032" y="2433234"/>
-            <a:ext cx="3247677" cy="4424766"/>
+            <a:off x="6532907" y="3781586"/>
+            <a:ext cx="5077534" cy="2965367"/>
           </a:xfrm>
           <a:prstGeom prst="rect">
             <a:avLst/>
           </a:prstGeom>
         </p:spPr>
       </p:pic>
+      <p:sp>
+        <p:nvSpPr>
+          <p:cNvPr id="5" name="テキスト ボックス 4"/>
+          <p:cNvSpPr txBox="1"/>
+          <p:nvPr/>
+        </p:nvSpPr>
+        <p:spPr>
+          <a:xfrm>
+            <a:off x="6106332" y="2061275"/>
+            <a:ext cx="5377912" cy="1477328"/>
+          </a:xfrm>
+          <a:prstGeom prst="rect">
+            <a:avLst/>
+          </a:prstGeom>
+          <a:noFill/>
+        </p:spPr>
+        <p:txBody>
+          <a:bodyPr wrap="square" rtlCol="0">
+            <a:spAutoFit/>
+          </a:bodyPr>
+          <a:lstStyle/>
+          <a:p>
+            <a:r>
+              <a:rPr lang="ja-JP" altLang="en-US" b="1" dirty="0"/>
+              <a:t>ハノイはベトナムの首都で、</a:t>
+            </a:r>
+            <a:r>
+              <a:rPr lang="en-US" altLang="ja-JP" b="1" dirty="0"/>
+              <a:t>100 </a:t>
+            </a:r>
+            <a:r>
+              <a:rPr lang="ja-JP" altLang="en-US" b="1" dirty="0"/>
+              <a:t>年ほどの歴史がある建築物</a:t>
+            </a:r>
+            <a:r>
+              <a:rPr lang="ja-JP" altLang="en-US" b="1" dirty="0" smtClean="0"/>
+              <a:t>や東南</a:t>
+            </a:r>
+            <a:r>
+              <a:rPr lang="ja-JP" altLang="en-US" b="1" dirty="0"/>
+              <a:t>アジア、中国、フランスの影響を受けた豊かな文化で知られて</a:t>
+            </a:r>
+            <a:r>
+              <a:rPr lang="ja-JP" altLang="en-US" b="1" dirty="0" smtClean="0"/>
+              <a:t>います。中心部</a:t>
+            </a:r>
+            <a:r>
+              <a:rPr lang="ja-JP" altLang="en-US" b="1" dirty="0"/>
+              <a:t>にある旧市街は、狭い道が入り組んだ一角ですが、古くから同業組合ごとに区分</a:t>
+            </a:r>
+            <a:r>
+              <a:rPr lang="ja-JP" altLang="en-US" b="1" dirty="0" smtClean="0"/>
+              <a:t>され</a:t>
+            </a:r>
+            <a:r>
+              <a:rPr lang="en-US" altLang="ja-JP" b="1" dirty="0" smtClean="0"/>
+              <a:t>.</a:t>
+            </a:r>
+            <a:endParaRPr kumimoji="1" lang="ja-JP" altLang="en-US" b="1" dirty="0"/>
+          </a:p>
+        </p:txBody>
+      </p:sp>
+      <p:sp>
+        <p:nvSpPr>
+          <p:cNvPr id="6" name="テキスト ボックス 5"/>
+          <p:cNvSpPr txBox="1"/>
+          <p:nvPr/>
+        </p:nvSpPr>
+        <p:spPr>
+          <a:xfrm>
+            <a:off x="271105" y="5160936"/>
+            <a:ext cx="5478766" cy="1631216"/>
+          </a:xfrm>
+          <a:prstGeom prst="rect">
+            <a:avLst/>
+          </a:prstGeom>
+          <a:noFill/>
+        </p:spPr>
+        <p:txBody>
+          <a:bodyPr wrap="square" rtlCol="0">
+            <a:spAutoFit/>
+          </a:bodyPr>
+          <a:lstStyle/>
+          <a:p>
+            <a:r>
+              <a:rPr lang="ja-JP" altLang="en-US" sz="2000" b="1" dirty="0"/>
+              <a:t>名前に商品名の付いた通りもあります。それから、家庭用品の店や屋台が出るドンスアン市場があります</a:t>
+            </a:r>
+            <a:r>
+              <a:rPr lang="ja-JP" altLang="en-US" sz="2000" b="1" dirty="0" smtClean="0"/>
+              <a:t>。小さな</a:t>
+            </a:r>
+            <a:r>
+              <a:rPr lang="ja-JP" altLang="en-US" sz="2000" b="1" dirty="0"/>
+              <a:t>寺院も多く、そのひとつ、白馬最霊時祠には伝説の馬が祀られています</a:t>
+            </a:r>
+            <a:r>
+              <a:rPr lang="ja-JP" altLang="en-US" sz="2000" b="1" dirty="0" smtClean="0"/>
+              <a:t>。</a:t>
+            </a:r>
+            <a:endParaRPr kumimoji="1" lang="ja-JP" altLang="en-US" sz="2000" b="1" dirty="0"/>
+          </a:p>
+        </p:txBody>
+      </p:sp>
     </p:spTree>
     <p:extLst>
       <p:ext uri="{BB962C8B-B14F-4D97-AF65-F5344CB8AC3E}">
-        <p14:creationId xmlns:p14="http://schemas.microsoft.com/office/powerpoint/2010/main" val="2337139065"/>
+        <p14:creationId xmlns:p14="http://schemas.microsoft.com/office/powerpoint/2010/main" val="1022888185"/>
       </p:ext>
     </p:extLst>
   </p:cSld>
@@ -3473,6 +3484,15 @@
 <file path=ppt/slides/slide2.xml><?xml version="1.0" encoding="utf-8"?>
 <p:sld xmlns:a="http://schemas.openxmlformats.org/drawingml/2006/main" xmlns:r="http://schemas.openxmlformats.org/officeDocument/2006/relationships" xmlns:p="http://schemas.openxmlformats.org/presentationml/2006/main">
   <p:cSld>
+    <p:bg>
+      <p:bgPr>
+        <a:blipFill>
+          <a:blip r:embed="rId2"/>
+          <a:tile tx="0" ty="0" sx="100000" sy="100000" flip="none" algn="tl"/>
+        </a:blipFill>
+        <a:effectLst/>
+      </p:bgPr>
+    </p:bg>
     <p:spTree>
       <p:nvGrpSpPr>
         <p:cNvPr id="1" name=""/>
@@ -3499,13 +3519,16 @@
         </p:nvSpPr>
         <p:spPr>
           <a:xfrm>
-            <a:off x="946688" y="41302"/>
-            <a:ext cx="10515600" cy="1249097"/>
+            <a:off x="224807" y="41303"/>
+            <a:ext cx="11724385" cy="1057925"/>
           </a:xfrm>
+          <a:solidFill>
+            <a:srgbClr val="00B050"/>
+          </a:solidFill>
         </p:spPr>
         <p:txBody>
           <a:bodyPr>
-            <a:normAutofit/>
+            <a:normAutofit fontScale="90000"/>
           </a:bodyPr>
           <a:lstStyle/>
           <a:p>
@@ -3527,7 +3550,7 @@
           <p:nvPr/>
         </p:nvPicPr>
         <p:blipFill>
-          <a:blip r:embed="rId2">
+          <a:blip r:embed="rId3">
             <a:extLst>
               <a:ext uri="{28A0092B-C50C-407E-A947-70E740481C1C}">
                 <a14:useLocalDpi xmlns:a14="http://schemas.microsoft.com/office/drawing/2010/main" val="0"/>
@@ -3557,7 +3580,7 @@
           <p:nvPr/>
         </p:nvPicPr>
         <p:blipFill>
-          <a:blip r:embed="rId3">
+          <a:blip r:embed="rId4">
             <a:extLst>
               <a:ext uri="{28A0092B-C50C-407E-A947-70E740481C1C}">
                 <a14:useLocalDpi xmlns:a14="http://schemas.microsoft.com/office/drawing/2010/main" val="0"/>
@@ -3667,11 +3690,7 @@
             </a:r>
             <a:r>
               <a:rPr lang="ja-JP" altLang="en-US" b="1" dirty="0" smtClean="0"/>
-              <a:t>、</a:t>
-            </a:r>
-            <a:r>
-              <a:rPr lang="ja-JP" altLang="en-US" b="1" dirty="0" smtClean="0"/>
-              <a:t>多くの人が初めてこの料理に恋をするようになります</a:t>
+              <a:t>、多くの人が初めてこの料理に恋をするようになります</a:t>
             </a:r>
             <a:endParaRPr kumimoji="1" lang="ja-JP" altLang="en-US" b="1" dirty="0"/>
           </a:p>
@@ -3739,6 +3758,15 @@
 <file path=ppt/slides/slide3.xml><?xml version="1.0" encoding="utf-8"?>
 <p:sld xmlns:a="http://schemas.openxmlformats.org/drawingml/2006/main" xmlns:r="http://schemas.openxmlformats.org/officeDocument/2006/relationships" xmlns:p="http://schemas.openxmlformats.org/presentationml/2006/main">
   <p:cSld>
+    <p:bg>
+      <p:bgPr>
+        <a:blipFill>
+          <a:blip r:embed="rId2"/>
+          <a:tile tx="0" ty="0" sx="100000" sy="100000" flip="none" algn="tl"/>
+        </a:blipFill>
+        <a:effectLst/>
+      </p:bgPr>
+    </p:bg>
     <p:spTree>
       <p:nvGrpSpPr>
         <p:cNvPr id="1" name=""/>
@@ -3753,16 +3781,66 @@
           <a:chExt cx="0" cy="0"/>
         </a:xfrm>
       </p:grpSpPr>
+      <p:sp>
+        <p:nvSpPr>
+          <p:cNvPr id="6" name="テキスト ボックス 5"/>
+          <p:cNvSpPr txBox="1"/>
+          <p:nvPr/>
+        </p:nvSpPr>
+        <p:spPr>
+          <a:xfrm>
+            <a:off x="6264544" y="961127"/>
+            <a:ext cx="4258805" cy="5632311"/>
+          </a:xfrm>
+          <a:prstGeom prst="rect">
+            <a:avLst/>
+          </a:prstGeom>
+          <a:noFill/>
+        </p:spPr>
+        <p:txBody>
+          <a:bodyPr wrap="square" rtlCol="0">
+            <a:spAutoFit/>
+          </a:bodyPr>
+          <a:lstStyle/>
+          <a:p>
+            <a:r>
+              <a:rPr lang="ja-JP" altLang="en-US" sz="2000" b="1" dirty="0"/>
+              <a:t>ハノイ人は多様で豊かな生活を送っています。 これまで、ハノイの人々はその才能と才能で有名であり、エンターテイメントと美的ニーズを満たす高品質の製品を生み出してきました</a:t>
+            </a:r>
+            <a:r>
+              <a:rPr lang="ja-JP" altLang="en-US" sz="2000" b="1" dirty="0" smtClean="0"/>
+              <a:t>。また、多くの</a:t>
+            </a:r>
+            <a:r>
+              <a:rPr lang="ja-JP" altLang="en-US" sz="2000" b="1" dirty="0"/>
+              <a:t>優雅な喜びがあり、精神的な生活に役立っています。 ハノイの人々は食べる、グルメな遊び、グルメな服装、繊細な味わい、優しい、美を知り、美を楽しむ方法を知っています</a:t>
+            </a:r>
+            <a:r>
+              <a:rPr lang="ja-JP" altLang="en-US" sz="2000" b="1" dirty="0" smtClean="0"/>
+              <a:t>。エレガント</a:t>
+            </a:r>
+            <a:r>
+              <a:rPr lang="ja-JP" altLang="en-US" sz="2000" b="1" dirty="0"/>
+              <a:t>で文明的なものは多くの異なる美しさの組み合わせであり、エレガントでエレガント、シンプルでシンプル、そして伝統と現代の響きがあります。 文明は完全に分離されているわけではありません。彼らはこれとそれとの密接な関係を持っています</a:t>
+            </a:r>
+            <a:r>
+              <a:rPr lang="ja-JP" altLang="en-US" sz="2000" b="1" dirty="0" smtClean="0"/>
+              <a:t>。</a:t>
+            </a:r>
+            <a:endParaRPr kumimoji="1" lang="ja-JP" altLang="en-US" sz="2000" b="1" dirty="0"/>
+          </a:p>
+        </p:txBody>
+      </p:sp>
       <p:pic>
         <p:nvPicPr>
-          <p:cNvPr id="3" name="図 2"/>
+          <p:cNvPr id="4" name="図 3"/>
           <p:cNvPicPr>
             <a:picLocks noChangeAspect="1"/>
           </p:cNvPicPr>
           <p:nvPr/>
         </p:nvPicPr>
         <p:blipFill>
-          <a:blip r:embed="rId2">
+          <a:blip r:embed="rId3" cstate="print">
             <a:extLst>
               <a:ext uri="{28A0092B-C50C-407E-A947-70E740481C1C}">
                 <a14:useLocalDpi xmlns:a14="http://schemas.microsoft.com/office/drawing/2010/main" val="0"/>
@@ -3775,8 +3853,8 @@
         </p:blipFill>
         <p:spPr>
           <a:xfrm>
-            <a:off x="433953" y="405869"/>
-            <a:ext cx="6343202" cy="5388444"/>
+            <a:off x="799776" y="1136343"/>
+            <a:ext cx="4881967" cy="5581082"/>
           </a:xfrm>
           <a:prstGeom prst="rect">
             <a:avLst/>
@@ -3785,19 +3863,21 @@
       </p:pic>
       <p:sp>
         <p:nvSpPr>
-          <p:cNvPr id="6" name="テキスト ボックス 5"/>
+          <p:cNvPr id="2" name="テキスト ボックス 1"/>
           <p:cNvSpPr txBox="1"/>
           <p:nvPr/>
         </p:nvSpPr>
         <p:spPr>
           <a:xfrm>
-            <a:off x="7333927" y="283936"/>
-            <a:ext cx="4258805" cy="5632311"/>
+            <a:off x="799775" y="130130"/>
+            <a:ext cx="4881967" cy="830997"/>
           </a:xfrm>
           <a:prstGeom prst="rect">
             <a:avLst/>
           </a:prstGeom>
-          <a:noFill/>
+          <a:solidFill>
+            <a:srgbClr val="00B050"/>
+          </a:solidFill>
         </p:spPr>
         <p:txBody>
           <a:bodyPr wrap="square" rtlCol="0">
@@ -3805,31 +3885,12 @@
           </a:bodyPr>
           <a:lstStyle/>
           <a:p>
-            <a:r>
-              <a:rPr lang="ja-JP" altLang="en-US" sz="2000" b="1" dirty="0"/>
-              <a:t>ハノイ人は多様で豊かな生活を送っています。 これまで、ハノイの人々はその才能と才能で有名であり、エンターテイメントと美的ニーズを満たす高品質の製品を生み出してきました</a:t>
-            </a:r>
-            <a:r>
-              <a:rPr lang="ja-JP" altLang="en-US" sz="2000" b="1" dirty="0" smtClean="0"/>
-              <a:t>。また、多くの</a:t>
-            </a:r>
-            <a:r>
-              <a:rPr lang="ja-JP" altLang="en-US" sz="2000" b="1" dirty="0"/>
-              <a:t>優雅な喜びがあり、精神的な生活に役立っています。 ハノイの人々は食べる、グルメな遊び、グルメな服装、繊細な味わい、優しい、美を知り、美を楽しむ方法を知っています</a:t>
-            </a:r>
-            <a:r>
-              <a:rPr lang="ja-JP" altLang="en-US" sz="2000" b="1" dirty="0" smtClean="0"/>
-              <a:t>。エレガント</a:t>
-            </a:r>
-            <a:r>
-              <a:rPr lang="ja-JP" altLang="en-US" sz="2000" b="1" dirty="0"/>
-              <a:t>で文明的なものは多くの異なる美しさの組み合わせであり、エレガントでエレガント、シンプルでシンプル、そして伝統と現代の響きがあります。 文明は完全に分離されているわけではありません。彼らはこれとそれとの密接な関係を持っています</a:t>
-            </a:r>
-            <a:r>
-              <a:rPr lang="ja-JP" altLang="en-US" sz="2000" b="1" dirty="0" smtClean="0"/>
-              <a:t>。</a:t>
-            </a:r>
-            <a:endParaRPr kumimoji="1" lang="ja-JP" altLang="en-US" sz="2000" b="1" dirty="0"/>
+            <a:pPr algn="ctr"/>
+            <a:r>
+              <a:rPr lang="ja-JP" altLang="en-US" sz="4800" b="1" dirty="0"/>
+              <a:t>仕事</a:t>
+            </a:r>
+            <a:endParaRPr kumimoji="1" lang="ja-JP" altLang="en-US" sz="4800" b="1" dirty="0"/>
           </a:p>
         </p:txBody>
       </p:sp>
@@ -3849,6 +3910,15 @@
 <file path=ppt/slides/slide4.xml><?xml version="1.0" encoding="utf-8"?>
 <p:sld xmlns:a="http://schemas.openxmlformats.org/drawingml/2006/main" xmlns:r="http://schemas.openxmlformats.org/officeDocument/2006/relationships" xmlns:p="http://schemas.openxmlformats.org/presentationml/2006/main">
   <p:cSld>
+    <p:bg>
+      <p:bgPr>
+        <a:blipFill>
+          <a:blip r:embed="rId2"/>
+          <a:tile tx="0" ty="0" sx="100000" sy="100000" flip="none" algn="tl"/>
+        </a:blipFill>
+        <a:effectLst/>
+      </p:bgPr>
+    </p:bg>
     <p:spTree>
       <p:nvGrpSpPr>
         <p:cNvPr id="1" name=""/>
@@ -3870,55 +3940,81 @@
             <a:spLocks noGrp="1"/>
           </p:cNvSpPr>
           <p:nvPr>
-            <p:ph type="title"/>
-          </p:nvPr>
-        </p:nvSpPr>
-        <p:spPr/>
-        <p:txBody>
-          <a:bodyPr>
-            <a:normAutofit/>
-          </a:bodyPr>
-          <a:lstStyle/>
-          <a:p>
-            <a:pPr algn="ctr"/>
-            <a:r>
-              <a:rPr lang="ja-JP" altLang="en-US" sz="8000" b="1" dirty="0" smtClean="0"/>
-              <a:t>ハノイ首都</a:t>
-            </a:r>
-            <a:endParaRPr kumimoji="1" lang="ja-JP" altLang="en-US" sz="8000" b="1" dirty="0"/>
-          </a:p>
-        </p:txBody>
-      </p:sp>
-      <p:pic>
-        <p:nvPicPr>
-          <p:cNvPr id="3" name="図 2"/>
-          <p:cNvPicPr>
-            <a:picLocks noChangeAspect="1"/>
-          </p:cNvPicPr>
-          <p:nvPr/>
-        </p:nvPicPr>
-        <p:blipFill>
-          <a:blip r:embed="rId2">
-            <a:extLst>
-              <a:ext uri="{28A0092B-C50C-407E-A947-70E740481C1C}">
-                <a14:useLocalDpi xmlns:a14="http://schemas.microsoft.com/office/drawing/2010/main" val="0"/>
-              </a:ext>
-            </a:extLst>
-          </a:blip>
-          <a:stretch>
-            <a:fillRect/>
-          </a:stretch>
-        </p:blipFill>
+            <p:ph type="ctrTitle"/>
+          </p:nvPr>
+        </p:nvSpPr>
         <p:spPr>
           <a:xfrm>
-            <a:off x="271105" y="1802919"/>
-            <a:ext cx="5478766" cy="3063549"/>
+            <a:off x="857573" y="650929"/>
+            <a:ext cx="8952854" cy="2154264"/>
           </a:xfrm>
-          <a:prstGeom prst="rect">
-            <a:avLst/>
-          </a:prstGeom>
         </p:spPr>
-      </p:pic>
+        <p:txBody>
+          <a:bodyPr>
+            <a:noAutofit/>
+          </a:bodyPr>
+          <a:lstStyle/>
+          <a:p>
+            <a:pPr algn="l">
+              <a:lnSpc>
+                <a:spcPct val="100000"/>
+              </a:lnSpc>
+            </a:pPr>
+            <a:r>
+              <a:rPr lang="ja-JP" altLang="en-US" sz="1800" b="1" dirty="0"/>
+              <a:t>今日、アオザイはベトナムの伝統の典型的なシンボルになっており</a:t>
+            </a:r>
+            <a:r>
+              <a:rPr lang="ja-JP" altLang="en-US" sz="1800" b="1" dirty="0" smtClean="0"/>
+              <a:t>、公式</a:t>
+            </a:r>
+            <a:r>
+              <a:rPr lang="ja-JP" altLang="en-US" sz="1800" b="1" dirty="0"/>
+              <a:t>には民族衣装としては認められていませんが、この国と世界中で人気があります</a:t>
+            </a:r>
+            <a:r>
+              <a:rPr lang="ja-JP" altLang="en-US" sz="1800" b="1" dirty="0" smtClean="0"/>
+              <a:t>。通常</a:t>
+            </a:r>
+            <a:r>
+              <a:rPr lang="ja-JP" altLang="en-US" sz="1800" b="1" dirty="0"/>
+              <a:t>、生地の色は社会の人の状態を示すため、非常に重要です。 若い女性は、多くの場合</a:t>
+            </a:r>
+            <a:r>
+              <a:rPr lang="ja-JP" altLang="en-US" sz="1800" b="1" dirty="0" smtClean="0"/>
+              <a:t>、鮮明</a:t>
+            </a:r>
+            <a:r>
+              <a:rPr lang="ja-JP" altLang="en-US" sz="1800" b="1" dirty="0"/>
+              <a:t>で新鮮な色を着ることを好みます。 彼女が成熟し始めると、彼らは未婚であることを示すためにパステル色になりました</a:t>
+            </a:r>
+            <a:r>
+              <a:rPr lang="ja-JP" altLang="en-US" sz="1800" b="1" dirty="0" smtClean="0"/>
+              <a:t>。</a:t>
+            </a:r>
+            <a:r>
+              <a:rPr lang="en-US" altLang="ja-JP" sz="1800" b="1" dirty="0"/>
+              <a:t/>
+            </a:r>
+            <a:br>
+              <a:rPr lang="en-US" altLang="ja-JP" sz="1800" b="1" dirty="0"/>
+            </a:br>
+            <a:r>
+              <a:rPr lang="ja-JP" altLang="en-US" sz="1800" b="1" dirty="0" smtClean="0"/>
+              <a:t>結婚後</a:t>
+            </a:r>
+            <a:r>
+              <a:rPr lang="ja-JP" altLang="en-US" sz="1800" b="1" dirty="0"/>
+              <a:t>、彼女は暗い色で服を着る権利があります。 また、青や紫など、特別な機会のための特定の色もあります</a:t>
+            </a:r>
+            <a:r>
+              <a:rPr lang="ja-JP" altLang="en-US" sz="1800" b="1" dirty="0" smtClean="0"/>
+              <a:t>。</a:t>
+            </a:r>
+            <a:endParaRPr kumimoji="1" lang="ja-JP" altLang="en-US" sz="1800" b="1" dirty="0"/>
+          </a:p>
+        </p:txBody>
+      </p:sp>
       <p:pic>
         <p:nvPicPr>
           <p:cNvPr id="4" name="図 3"/>
@@ -3941,91 +4037,61 @@
         </p:blipFill>
         <p:spPr>
           <a:xfrm>
-            <a:off x="6532907" y="3781586"/>
-            <a:ext cx="5077534" cy="2965367"/>
+            <a:off x="857573" y="2774197"/>
+            <a:ext cx="4277532" cy="4099299"/>
           </a:xfrm>
           <a:prstGeom prst="rect">
             <a:avLst/>
           </a:prstGeom>
         </p:spPr>
       </p:pic>
-      <p:sp>
-        <p:nvSpPr>
-          <p:cNvPr id="5" name="テキスト ボックス 4"/>
-          <p:cNvSpPr txBox="1"/>
+      <p:pic>
+        <p:nvPicPr>
+          <p:cNvPr id="5" name="図 4"/>
+          <p:cNvPicPr>
+            <a:picLocks noChangeAspect="1"/>
+          </p:cNvPicPr>
           <p:nvPr/>
-        </p:nvSpPr>
+        </p:nvPicPr>
+        <p:blipFill>
+          <a:blip r:embed="rId4">
+            <a:extLst>
+              <a:ext uri="{28A0092B-C50C-407E-A947-70E740481C1C}">
+                <a14:useLocalDpi xmlns:a14="http://schemas.microsoft.com/office/drawing/2010/main" val="0"/>
+              </a:ext>
+            </a:extLst>
+          </a:blip>
+          <a:stretch>
+            <a:fillRect/>
+          </a:stretch>
+        </p:blipFill>
         <p:spPr>
           <a:xfrm>
-            <a:off x="6106332" y="2061275"/>
-            <a:ext cx="5377912" cy="1477328"/>
+            <a:off x="6500758" y="2805193"/>
+            <a:ext cx="3604137" cy="4037306"/>
           </a:xfrm>
           <a:prstGeom prst="rect">
             <a:avLst/>
           </a:prstGeom>
-          <a:noFill/>
         </p:spPr>
-        <p:txBody>
-          <a:bodyPr wrap="square" rtlCol="0">
-            <a:spAutoFit/>
-          </a:bodyPr>
-          <a:lstStyle/>
-          <a:p>
-            <a:r>
-              <a:rPr lang="ja-JP" altLang="en-US" b="1" dirty="0"/>
-              <a:t>ハノイはベトナムの首都で、</a:t>
-            </a:r>
-            <a:r>
-              <a:rPr lang="en-US" altLang="ja-JP" b="1" dirty="0"/>
-              <a:t>100 </a:t>
-            </a:r>
-            <a:r>
-              <a:rPr lang="ja-JP" altLang="en-US" b="1" dirty="0"/>
-              <a:t>年ほどの歴史がある建築物</a:t>
-            </a:r>
-            <a:r>
-              <a:rPr lang="ja-JP" altLang="en-US" b="1" dirty="0" smtClean="0"/>
-              <a:t>や東南</a:t>
-            </a:r>
-            <a:r>
-              <a:rPr lang="ja-JP" altLang="en-US" b="1" dirty="0"/>
-              <a:t>アジア、中国、フランスの影響を受けた豊かな文化で知られて</a:t>
-            </a:r>
-            <a:r>
-              <a:rPr lang="ja-JP" altLang="en-US" b="1" dirty="0" smtClean="0"/>
-              <a:t>います。中心部</a:t>
-            </a:r>
-            <a:r>
-              <a:rPr lang="ja-JP" altLang="en-US" b="1" dirty="0"/>
-              <a:t>にある旧市街は、狭い道が入り組んだ一角ですが、古くから同業組合ごとに区分</a:t>
-            </a:r>
-            <a:r>
-              <a:rPr lang="ja-JP" altLang="en-US" b="1" dirty="0" smtClean="0"/>
-              <a:t>され</a:t>
-            </a:r>
-            <a:r>
-              <a:rPr lang="en-US" altLang="ja-JP" b="1" dirty="0" smtClean="0"/>
-              <a:t>.</a:t>
-            </a:r>
-            <a:endParaRPr kumimoji="1" lang="ja-JP" altLang="en-US" b="1" dirty="0"/>
-          </a:p>
-        </p:txBody>
-      </p:sp>
-      <p:sp>
-        <p:nvSpPr>
-          <p:cNvPr id="6" name="テキスト ボックス 5"/>
+      </p:pic>
+      <p:sp>
+        <p:nvSpPr>
+          <p:cNvPr id="3" name="テキスト ボックス 2"/>
           <p:cNvSpPr txBox="1"/>
           <p:nvPr/>
         </p:nvSpPr>
         <p:spPr>
           <a:xfrm>
-            <a:off x="271105" y="5160936"/>
-            <a:ext cx="5478766" cy="1631216"/>
+            <a:off x="2758698" y="123986"/>
+            <a:ext cx="4525505" cy="707886"/>
           </a:xfrm>
           <a:prstGeom prst="rect">
             <a:avLst/>
           </a:prstGeom>
-          <a:noFill/>
+          <a:solidFill>
+            <a:srgbClr val="00B050"/>
+          </a:solidFill>
         </p:spPr>
         <p:txBody>
           <a:bodyPr wrap="square" rtlCol="0">
@@ -4033,30 +4099,19 @@
           </a:bodyPr>
           <a:lstStyle/>
           <a:p>
-            <a:r>
-              <a:rPr lang="ja-JP" altLang="en-US" sz="2000" b="1" dirty="0"/>
-              <a:t>名前に商品名の付いた通りもあります。それから、家庭用品の店や屋台が出るドンスアン市場があります</a:t>
-            </a:r>
-            <a:r>
-              <a:rPr lang="ja-JP" altLang="en-US" sz="2000" b="1" dirty="0" smtClean="0"/>
-              <a:t>。小さな</a:t>
-            </a:r>
-            <a:r>
-              <a:rPr lang="ja-JP" altLang="en-US" sz="2000" b="1" dirty="0"/>
-              <a:t>寺院も多く、そのひとつ、白馬最霊時祠には伝説の馬が祀られています</a:t>
-            </a:r>
-            <a:r>
-              <a:rPr lang="ja-JP" altLang="en-US" sz="2000" b="1" dirty="0" smtClean="0"/>
-              <a:t>。</a:t>
-            </a:r>
-            <a:endParaRPr kumimoji="1" lang="ja-JP" altLang="en-US" sz="2000" b="1" dirty="0"/>
+            <a:pPr algn="ctr"/>
+            <a:r>
+              <a:rPr kumimoji="1" lang="ja-JP" altLang="en-US" sz="4000" b="1" dirty="0" smtClean="0"/>
+              <a:t>おすすめ</a:t>
+            </a:r>
+            <a:endParaRPr kumimoji="1" lang="ja-JP" altLang="en-US" sz="4000" b="1" dirty="0"/>
           </a:p>
         </p:txBody>
       </p:sp>
     </p:spTree>
     <p:extLst>
       <p:ext uri="{BB962C8B-B14F-4D97-AF65-F5344CB8AC3E}">
-        <p14:creationId xmlns:p14="http://schemas.microsoft.com/office/powerpoint/2010/main" val="1022888185"/>
+        <p14:creationId xmlns:p14="http://schemas.microsoft.com/office/powerpoint/2010/main" val="2337139065"/>
       </p:ext>
     </p:extLst>
   </p:cSld>
@@ -4069,6 +4124,15 @@
 <file path=ppt/slides/slide5.xml><?xml version="1.0" encoding="utf-8"?>
 <p:sld xmlns:a="http://schemas.openxmlformats.org/drawingml/2006/main" xmlns:r="http://schemas.openxmlformats.org/officeDocument/2006/relationships" xmlns:p="http://schemas.openxmlformats.org/presentationml/2006/main">
   <p:cSld>
+    <p:bg>
+      <p:bgPr>
+        <a:blipFill>
+          <a:blip r:embed="rId2"/>
+          <a:tile tx="0" ty="0" sx="100000" sy="100000" flip="none" algn="tl"/>
+        </a:blipFill>
+        <a:effectLst/>
+      </p:bgPr>
+    </p:bg>
     <p:spTree>
       <p:nvGrpSpPr>
         <p:cNvPr id="1" name=""/>
@@ -4092,36 +4156,6 @@
           <p:nvPr/>
         </p:nvPicPr>
         <p:blipFill>
-          <a:blip r:embed="rId2">
-            <a:extLst>
-              <a:ext uri="{28A0092B-C50C-407E-A947-70E740481C1C}">
-                <a14:useLocalDpi xmlns:a14="http://schemas.microsoft.com/office/drawing/2010/main" val="0"/>
-              </a:ext>
-            </a:extLst>
-          </a:blip>
-          <a:stretch>
-            <a:fillRect/>
-          </a:stretch>
-        </p:blipFill>
-        <p:spPr>
-          <a:xfrm>
-            <a:off x="151270" y="3505090"/>
-            <a:ext cx="5133652" cy="3143682"/>
-          </a:xfrm>
-          <a:prstGeom prst="rect">
-            <a:avLst/>
-          </a:prstGeom>
-        </p:spPr>
-      </p:pic>
-      <p:pic>
-        <p:nvPicPr>
-          <p:cNvPr id="7" name="図 6"/>
-          <p:cNvPicPr>
-            <a:picLocks noChangeAspect="1"/>
-          </p:cNvPicPr>
-          <p:nvPr/>
-        </p:nvPicPr>
-        <p:blipFill>
           <a:blip r:embed="rId3">
             <a:extLst>
               <a:ext uri="{28A0092B-C50C-407E-A947-70E740481C1C}">
@@ -4135,44 +4169,14 @@
         </p:blipFill>
         <p:spPr>
           <a:xfrm>
-            <a:off x="151270" y="170562"/>
-            <a:ext cx="5133652" cy="3153529"/>
+            <a:off x="151267" y="1053885"/>
+            <a:ext cx="5908567" cy="4990454"/>
           </a:xfrm>
           <a:prstGeom prst="rect">
             <a:avLst/>
           </a:prstGeom>
         </p:spPr>
       </p:pic>
-      <p:pic>
-        <p:nvPicPr>
-          <p:cNvPr id="8" name="図 7"/>
-          <p:cNvPicPr>
-            <a:picLocks noChangeAspect="1"/>
-          </p:cNvPicPr>
-          <p:nvPr/>
-        </p:nvPicPr>
-        <p:blipFill>
-          <a:blip r:embed="rId4" cstate="print">
-            <a:extLst>
-              <a:ext uri="{28A0092B-C50C-407E-A947-70E740481C1C}">
-                <a14:useLocalDpi xmlns:a14="http://schemas.microsoft.com/office/drawing/2010/main" val="0"/>
-              </a:ext>
-            </a:extLst>
-          </a:blip>
-          <a:stretch>
-            <a:fillRect/>
-          </a:stretch>
-        </p:blipFill>
-        <p:spPr>
-          <a:xfrm>
-            <a:off x="5703375" y="170562"/>
-            <a:ext cx="3192651" cy="3649850"/>
-          </a:xfrm>
-          <a:prstGeom prst="rect">
-            <a:avLst/>
-          </a:prstGeom>
-        </p:spPr>
-      </p:pic>
       <p:sp>
         <p:nvSpPr>
           <p:cNvPr id="9" name="テキスト ボックス 8"/>
@@ -4181,8 +4185,8 @@
         </p:nvSpPr>
         <p:spPr>
           <a:xfrm>
-            <a:off x="5703375" y="3995678"/>
-            <a:ext cx="5935852" cy="2862322"/>
+            <a:off x="6865749" y="919264"/>
+            <a:ext cx="5067945" cy="4664995"/>
           </a:xfrm>
           <a:prstGeom prst="rect">
             <a:avLst/>
@@ -4195,6 +4199,11 @@
           </a:bodyPr>
           <a:lstStyle/>
           <a:p>
+            <a:pPr>
+              <a:lnSpc>
+                <a:spcPct val="150000"/>
+              </a:lnSpc>
+            </a:pPr>
             <a:r>
               <a:rPr lang="ja-JP" altLang="en-US" sz="2000" b="1" dirty="0"/>
               <a:t>いつものようにうるさいわけではありませんが、雨の下でハノイは奇妙で、古代で素朴な後味を</a:t>
@@ -4236,6 +4245,39 @@
               <a:t>。</a:t>
             </a:r>
             <a:endParaRPr kumimoji="1" lang="ja-JP" altLang="en-US" sz="2000" b="1" dirty="0"/>
+          </a:p>
+        </p:txBody>
+      </p:sp>
+      <p:sp>
+        <p:nvSpPr>
+          <p:cNvPr id="2" name="テキスト ボックス 1"/>
+          <p:cNvSpPr txBox="1"/>
+          <p:nvPr/>
+        </p:nvSpPr>
+        <p:spPr>
+          <a:xfrm>
+            <a:off x="151267" y="144959"/>
+            <a:ext cx="5908567" cy="774305"/>
+          </a:xfrm>
+          <a:prstGeom prst="rect">
+            <a:avLst/>
+          </a:prstGeom>
+          <a:solidFill>
+            <a:srgbClr val="00B050"/>
+          </a:solidFill>
+        </p:spPr>
+        <p:txBody>
+          <a:bodyPr wrap="square" rtlCol="0">
+            <a:spAutoFit/>
+          </a:bodyPr>
+          <a:lstStyle/>
+          <a:p>
+            <a:pPr algn="ctr"/>
+            <a:r>
+              <a:rPr kumimoji="1" lang="ja-JP" altLang="en-US" sz="4400" b="1" dirty="0" smtClean="0"/>
+              <a:t>車両</a:t>
+            </a:r>
+            <a:endParaRPr kumimoji="1" lang="ja-JP" altLang="en-US" sz="4400" b="1" dirty="0"/>
           </a:p>
         </p:txBody>
       </p:sp>
@@ -4255,7 +4297,7 @@
 <file path=ppt/theme/theme1.xml><?xml version="1.0" encoding="utf-8"?>
 <a:theme xmlns:a="http://schemas.openxmlformats.org/drawingml/2006/main" name="Office テーマ">
   <a:themeElements>
-    <a:clrScheme name="Office">
+    <a:clrScheme name="紫">
       <a:dk1>
         <a:sysClr val="windowText" lastClr="000000"/>
       </a:dk1>
@@ -4263,34 +4305,34 @@
         <a:sysClr val="window" lastClr="FFFFFF"/>
       </a:lt1>
       <a:dk2>
-        <a:srgbClr val="44546A"/>
+        <a:srgbClr val="373545"/>
       </a:dk2>
       <a:lt2>
-        <a:srgbClr val="E7E6E6"/>
+        <a:srgbClr val="DCD8DC"/>
       </a:lt2>
       <a:accent1>
-        <a:srgbClr val="5B9BD5"/>
+        <a:srgbClr val="AD84C6"/>
       </a:accent1>
       <a:accent2>
-        <a:srgbClr val="ED7D31"/>
+        <a:srgbClr val="8784C7"/>
       </a:accent2>
       <a:accent3>
-        <a:srgbClr val="A5A5A5"/>
+        <a:srgbClr val="5D739A"/>
       </a:accent3>
       <a:accent4>
-        <a:srgbClr val="FFC000"/>
+        <a:srgbClr val="6997AF"/>
       </a:accent4>
       <a:accent5>
-        <a:srgbClr val="4472C4"/>
+        <a:srgbClr val="84ACB6"/>
       </a:accent5>
       <a:accent6>
-        <a:srgbClr val="70AD47"/>
+        <a:srgbClr val="6F8183"/>
       </a:accent6>
       <a:hlink>
-        <a:srgbClr val="0563C1"/>
+        <a:srgbClr val="69A020"/>
       </a:hlink>
       <a:folHlink>
-        <a:srgbClr val="954F72"/>
+        <a:srgbClr val="8C8C8C"/>
       </a:folHlink>
     </a:clrScheme>
     <a:fontScheme name="Office">

--- a/提出（学生が出す）ー岡本/AM/17813/今日、アオザイはベトナムの伝統の.pptx
+++ b/提出（学生が出す）ー岡本/AM/17813/今日、アオザイはベトナムの伝統の.pptx
@@ -4,12 +4,17 @@
   <p:sldMasterIdLst>
     <p:sldMasterId id="2147483648" r:id="rId1"/>
   </p:sldMasterIdLst>
+  <p:notesMasterIdLst>
+    <p:notesMasterId r:id="rId9"/>
+  </p:notesMasterIdLst>
   <p:sldIdLst>
     <p:sldId id="259" r:id="rId2"/>
     <p:sldId id="257" r:id="rId3"/>
     <p:sldId id="258" r:id="rId4"/>
-    <p:sldId id="256" r:id="rId5"/>
-    <p:sldId id="260" r:id="rId6"/>
+    <p:sldId id="260" r:id="rId5"/>
+    <p:sldId id="264" r:id="rId6"/>
+    <p:sldId id="262" r:id="rId7"/>
+    <p:sldId id="263" r:id="rId8"/>
   </p:sldIdLst>
   <p:sldSz cx="12192000" cy="6858000"/>
   <p:notesSz cx="6858000" cy="9144000"/>
@@ -116,6 +121,388 @@
 </p:presentation>
 </file>
 
+<file path=ppt/notesMasters/notesMaster1.xml><?xml version="1.0" encoding="utf-8"?>
+<p:notesMaster xmlns:a="http://schemas.openxmlformats.org/drawingml/2006/main" xmlns:r="http://schemas.openxmlformats.org/officeDocument/2006/relationships" xmlns:p="http://schemas.openxmlformats.org/presentationml/2006/main">
+  <p:cSld>
+    <p:bg>
+      <p:bgRef idx="1001">
+        <a:schemeClr val="bg1"/>
+      </p:bgRef>
+    </p:bg>
+    <p:spTree>
+      <p:nvGrpSpPr>
+        <p:cNvPr id="1" name=""/>
+        <p:cNvGrpSpPr/>
+        <p:nvPr/>
+      </p:nvGrpSpPr>
+      <p:grpSpPr>
+        <a:xfrm>
+          <a:off x="0" y="0"/>
+          <a:ext cx="0" cy="0"/>
+          <a:chOff x="0" y="0"/>
+          <a:chExt cx="0" cy="0"/>
+        </a:xfrm>
+      </p:grpSpPr>
+      <p:sp>
+        <p:nvSpPr>
+          <p:cNvPr id="2" name="ヘッダー プレースホルダー 1"/>
+          <p:cNvSpPr>
+            <a:spLocks noGrp="1"/>
+          </p:cNvSpPr>
+          <p:nvPr>
+            <p:ph type="hdr" sz="quarter"/>
+          </p:nvPr>
+        </p:nvSpPr>
+        <p:spPr>
+          <a:xfrm>
+            <a:off x="0" y="0"/>
+            <a:ext cx="2971800" cy="458788"/>
+          </a:xfrm>
+          <a:prstGeom prst="rect">
+            <a:avLst/>
+          </a:prstGeom>
+        </p:spPr>
+        <p:txBody>
+          <a:bodyPr vert="horz" lIns="91440" tIns="45720" rIns="91440" bIns="45720" rtlCol="0"/>
+          <a:lstStyle>
+            <a:lvl1pPr algn="l">
+              <a:defRPr sz="1200"/>
+            </a:lvl1pPr>
+          </a:lstStyle>
+          <a:p>
+            <a:endParaRPr kumimoji="1" lang="ja-JP" altLang="en-US"/>
+          </a:p>
+        </p:txBody>
+      </p:sp>
+      <p:sp>
+        <p:nvSpPr>
+          <p:cNvPr id="3" name="日付プレースホルダー 2"/>
+          <p:cNvSpPr>
+            <a:spLocks noGrp="1"/>
+          </p:cNvSpPr>
+          <p:nvPr>
+            <p:ph type="dt" idx="1"/>
+          </p:nvPr>
+        </p:nvSpPr>
+        <p:spPr>
+          <a:xfrm>
+            <a:off x="3884613" y="0"/>
+            <a:ext cx="2971800" cy="458788"/>
+          </a:xfrm>
+          <a:prstGeom prst="rect">
+            <a:avLst/>
+          </a:prstGeom>
+        </p:spPr>
+        <p:txBody>
+          <a:bodyPr vert="horz" lIns="91440" tIns="45720" rIns="91440" bIns="45720" rtlCol="0"/>
+          <a:lstStyle>
+            <a:lvl1pPr algn="r">
+              <a:defRPr sz="1200"/>
+            </a:lvl1pPr>
+          </a:lstStyle>
+          <a:p>
+            <a:fld id="{FA045BB6-0057-4EE9-96CB-6460F781F582}" type="datetimeFigureOut">
+              <a:rPr kumimoji="1" lang="ja-JP" altLang="en-US" smtClean="0"/>
+              <a:t>2020/1/8</a:t>
+            </a:fld>
+            <a:endParaRPr kumimoji="1" lang="ja-JP" altLang="en-US"/>
+          </a:p>
+        </p:txBody>
+      </p:sp>
+      <p:sp>
+        <p:nvSpPr>
+          <p:cNvPr id="4" name="スライド イメージ プレースホルダー 3"/>
+          <p:cNvSpPr>
+            <a:spLocks noGrp="1" noRot="1" noChangeAspect="1"/>
+          </p:cNvSpPr>
+          <p:nvPr>
+            <p:ph type="sldImg" idx="2"/>
+          </p:nvPr>
+        </p:nvSpPr>
+        <p:spPr>
+          <a:xfrm>
+            <a:off x="685800" y="1143000"/>
+            <a:ext cx="5486400" cy="3086100"/>
+          </a:xfrm>
+          <a:prstGeom prst="rect">
+            <a:avLst/>
+          </a:prstGeom>
+          <a:noFill/>
+          <a:ln w="12700">
+            <a:solidFill>
+              <a:prstClr val="black"/>
+            </a:solidFill>
+          </a:ln>
+        </p:spPr>
+        <p:txBody>
+          <a:bodyPr vert="horz" lIns="91440" tIns="45720" rIns="91440" bIns="45720" rtlCol="0" anchor="ctr"/>
+          <a:lstStyle/>
+          <a:p>
+            <a:endParaRPr lang="ja-JP" altLang="en-US"/>
+          </a:p>
+        </p:txBody>
+      </p:sp>
+      <p:sp>
+        <p:nvSpPr>
+          <p:cNvPr id="5" name="ノート プレースホルダー 4"/>
+          <p:cNvSpPr>
+            <a:spLocks noGrp="1"/>
+          </p:cNvSpPr>
+          <p:nvPr>
+            <p:ph type="body" sz="quarter" idx="3"/>
+          </p:nvPr>
+        </p:nvSpPr>
+        <p:spPr>
+          <a:xfrm>
+            <a:off x="685800" y="4400550"/>
+            <a:ext cx="5486400" cy="3600450"/>
+          </a:xfrm>
+          <a:prstGeom prst="rect">
+            <a:avLst/>
+          </a:prstGeom>
+        </p:spPr>
+        <p:txBody>
+          <a:bodyPr vert="horz" lIns="91440" tIns="45720" rIns="91440" bIns="45720" rtlCol="0"/>
+          <a:lstStyle/>
+          <a:p>
+            <a:pPr lvl="0"/>
+            <a:r>
+              <a:rPr kumimoji="1" lang="ja-JP" altLang="en-US" smtClean="0"/>
+              <a:t>マスター テキストの書式設定</a:t>
+            </a:r>
+          </a:p>
+          <a:p>
+            <a:pPr lvl="1"/>
+            <a:r>
+              <a:rPr kumimoji="1" lang="ja-JP" altLang="en-US" smtClean="0"/>
+              <a:t>第 </a:t>
+            </a:r>
+            <a:r>
+              <a:rPr kumimoji="1" lang="en-US" altLang="ja-JP" smtClean="0"/>
+              <a:t>2 </a:t>
+            </a:r>
+            <a:r>
+              <a:rPr kumimoji="1" lang="ja-JP" altLang="en-US" smtClean="0"/>
+              <a:t>レベル</a:t>
+            </a:r>
+          </a:p>
+          <a:p>
+            <a:pPr lvl="2"/>
+            <a:r>
+              <a:rPr kumimoji="1" lang="ja-JP" altLang="en-US" smtClean="0"/>
+              <a:t>第 </a:t>
+            </a:r>
+            <a:r>
+              <a:rPr kumimoji="1" lang="en-US" altLang="ja-JP" smtClean="0"/>
+              <a:t>3 </a:t>
+            </a:r>
+            <a:r>
+              <a:rPr kumimoji="1" lang="ja-JP" altLang="en-US" smtClean="0"/>
+              <a:t>レベル</a:t>
+            </a:r>
+          </a:p>
+          <a:p>
+            <a:pPr lvl="3"/>
+            <a:r>
+              <a:rPr kumimoji="1" lang="ja-JP" altLang="en-US" smtClean="0"/>
+              <a:t>第 </a:t>
+            </a:r>
+            <a:r>
+              <a:rPr kumimoji="1" lang="en-US" altLang="ja-JP" smtClean="0"/>
+              <a:t>4 </a:t>
+            </a:r>
+            <a:r>
+              <a:rPr kumimoji="1" lang="ja-JP" altLang="en-US" smtClean="0"/>
+              <a:t>レベル</a:t>
+            </a:r>
+          </a:p>
+          <a:p>
+            <a:pPr lvl="4"/>
+            <a:r>
+              <a:rPr kumimoji="1" lang="ja-JP" altLang="en-US" smtClean="0"/>
+              <a:t>第 </a:t>
+            </a:r>
+            <a:r>
+              <a:rPr kumimoji="1" lang="en-US" altLang="ja-JP" smtClean="0"/>
+              <a:t>5 </a:t>
+            </a:r>
+            <a:r>
+              <a:rPr kumimoji="1" lang="ja-JP" altLang="en-US" smtClean="0"/>
+              <a:t>レベル</a:t>
+            </a:r>
+            <a:endParaRPr kumimoji="1" lang="ja-JP" altLang="en-US"/>
+          </a:p>
+        </p:txBody>
+      </p:sp>
+      <p:sp>
+        <p:nvSpPr>
+          <p:cNvPr id="6" name="フッター プレースホルダー 5"/>
+          <p:cNvSpPr>
+            <a:spLocks noGrp="1"/>
+          </p:cNvSpPr>
+          <p:nvPr>
+            <p:ph type="ftr" sz="quarter" idx="4"/>
+          </p:nvPr>
+        </p:nvSpPr>
+        <p:spPr>
+          <a:xfrm>
+            <a:off x="0" y="8685213"/>
+            <a:ext cx="2971800" cy="458787"/>
+          </a:xfrm>
+          <a:prstGeom prst="rect">
+            <a:avLst/>
+          </a:prstGeom>
+        </p:spPr>
+        <p:txBody>
+          <a:bodyPr vert="horz" lIns="91440" tIns="45720" rIns="91440" bIns="45720" rtlCol="0" anchor="b"/>
+          <a:lstStyle>
+            <a:lvl1pPr algn="l">
+              <a:defRPr sz="1200"/>
+            </a:lvl1pPr>
+          </a:lstStyle>
+          <a:p>
+            <a:endParaRPr kumimoji="1" lang="ja-JP" altLang="en-US"/>
+          </a:p>
+        </p:txBody>
+      </p:sp>
+      <p:sp>
+        <p:nvSpPr>
+          <p:cNvPr id="7" name="スライド番号プレースホルダー 6"/>
+          <p:cNvSpPr>
+            <a:spLocks noGrp="1"/>
+          </p:cNvSpPr>
+          <p:nvPr>
+            <p:ph type="sldNum" sz="quarter" idx="5"/>
+          </p:nvPr>
+        </p:nvSpPr>
+        <p:spPr>
+          <a:xfrm>
+            <a:off x="3884613" y="8685213"/>
+            <a:ext cx="2971800" cy="458787"/>
+          </a:xfrm>
+          <a:prstGeom prst="rect">
+            <a:avLst/>
+          </a:prstGeom>
+        </p:spPr>
+        <p:txBody>
+          <a:bodyPr vert="horz" lIns="91440" tIns="45720" rIns="91440" bIns="45720" rtlCol="0" anchor="b"/>
+          <a:lstStyle>
+            <a:lvl1pPr algn="r">
+              <a:defRPr sz="1200"/>
+            </a:lvl1pPr>
+          </a:lstStyle>
+          <a:p>
+            <a:fld id="{052EA22E-54C8-4853-9789-5E3B24E0D6A4}" type="slidenum">
+              <a:rPr kumimoji="1" lang="ja-JP" altLang="en-US" smtClean="0"/>
+              <a:t>‹#›</a:t>
+            </a:fld>
+            <a:endParaRPr kumimoji="1" lang="ja-JP" altLang="en-US"/>
+          </a:p>
+        </p:txBody>
+      </p:sp>
+    </p:spTree>
+    <p:extLst>
+      <p:ext uri="{BB962C8B-B14F-4D97-AF65-F5344CB8AC3E}">
+        <p14:creationId xmlns:p14="http://schemas.microsoft.com/office/powerpoint/2010/main" val="2562236004"/>
+      </p:ext>
+    </p:extLst>
+  </p:cSld>
+  <p:clrMap bg1="lt1" tx1="dk1" bg2="lt2" tx2="dk2" accent1="accent1" accent2="accent2" accent3="accent3" accent4="accent4" accent5="accent5" accent6="accent6" hlink="hlink" folHlink="folHlink"/>
+  <p:notesStyle>
+    <a:lvl1pPr marL="0" algn="l" defTabSz="914400" rtl="0" eaLnBrk="1" latinLnBrk="0" hangingPunct="1">
+      <a:defRPr kumimoji="1" sz="1200" kern="1200">
+        <a:solidFill>
+          <a:schemeClr val="tx1"/>
+        </a:solidFill>
+        <a:latin typeface="+mn-lt"/>
+        <a:ea typeface="+mn-ea"/>
+        <a:cs typeface="+mn-cs"/>
+      </a:defRPr>
+    </a:lvl1pPr>
+    <a:lvl2pPr marL="457200" algn="l" defTabSz="914400" rtl="0" eaLnBrk="1" latinLnBrk="0" hangingPunct="1">
+      <a:defRPr kumimoji="1" sz="1200" kern="1200">
+        <a:solidFill>
+          <a:schemeClr val="tx1"/>
+        </a:solidFill>
+        <a:latin typeface="+mn-lt"/>
+        <a:ea typeface="+mn-ea"/>
+        <a:cs typeface="+mn-cs"/>
+      </a:defRPr>
+    </a:lvl2pPr>
+    <a:lvl3pPr marL="914400" algn="l" defTabSz="914400" rtl="0" eaLnBrk="1" latinLnBrk="0" hangingPunct="1">
+      <a:defRPr kumimoji="1" sz="1200" kern="1200">
+        <a:solidFill>
+          <a:schemeClr val="tx1"/>
+        </a:solidFill>
+        <a:latin typeface="+mn-lt"/>
+        <a:ea typeface="+mn-ea"/>
+        <a:cs typeface="+mn-cs"/>
+      </a:defRPr>
+    </a:lvl3pPr>
+    <a:lvl4pPr marL="1371600" algn="l" defTabSz="914400" rtl="0" eaLnBrk="1" latinLnBrk="0" hangingPunct="1">
+      <a:defRPr kumimoji="1" sz="1200" kern="1200">
+        <a:solidFill>
+          <a:schemeClr val="tx1"/>
+        </a:solidFill>
+        <a:latin typeface="+mn-lt"/>
+        <a:ea typeface="+mn-ea"/>
+        <a:cs typeface="+mn-cs"/>
+      </a:defRPr>
+    </a:lvl4pPr>
+    <a:lvl5pPr marL="1828800" algn="l" defTabSz="914400" rtl="0" eaLnBrk="1" latinLnBrk="0" hangingPunct="1">
+      <a:defRPr kumimoji="1" sz="1200" kern="1200">
+        <a:solidFill>
+          <a:schemeClr val="tx1"/>
+        </a:solidFill>
+        <a:latin typeface="+mn-lt"/>
+        <a:ea typeface="+mn-ea"/>
+        <a:cs typeface="+mn-cs"/>
+      </a:defRPr>
+    </a:lvl5pPr>
+    <a:lvl6pPr marL="2286000" algn="l" defTabSz="914400" rtl="0" eaLnBrk="1" latinLnBrk="0" hangingPunct="1">
+      <a:defRPr kumimoji="1" sz="1200" kern="1200">
+        <a:solidFill>
+          <a:schemeClr val="tx1"/>
+        </a:solidFill>
+        <a:latin typeface="+mn-lt"/>
+        <a:ea typeface="+mn-ea"/>
+        <a:cs typeface="+mn-cs"/>
+      </a:defRPr>
+    </a:lvl6pPr>
+    <a:lvl7pPr marL="2743200" algn="l" defTabSz="914400" rtl="0" eaLnBrk="1" latinLnBrk="0" hangingPunct="1">
+      <a:defRPr kumimoji="1" sz="1200" kern="1200">
+        <a:solidFill>
+          <a:schemeClr val="tx1"/>
+        </a:solidFill>
+        <a:latin typeface="+mn-lt"/>
+        <a:ea typeface="+mn-ea"/>
+        <a:cs typeface="+mn-cs"/>
+      </a:defRPr>
+    </a:lvl7pPr>
+    <a:lvl8pPr marL="3200400" algn="l" defTabSz="914400" rtl="0" eaLnBrk="1" latinLnBrk="0" hangingPunct="1">
+      <a:defRPr kumimoji="1" sz="1200" kern="1200">
+        <a:solidFill>
+          <a:schemeClr val="tx1"/>
+        </a:solidFill>
+        <a:latin typeface="+mn-lt"/>
+        <a:ea typeface="+mn-ea"/>
+        <a:cs typeface="+mn-cs"/>
+      </a:defRPr>
+    </a:lvl8pPr>
+    <a:lvl9pPr marL="3657600" algn="l" defTabSz="914400" rtl="0" eaLnBrk="1" latinLnBrk="0" hangingPunct="1">
+      <a:defRPr kumimoji="1" sz="1200" kern="1200">
+        <a:solidFill>
+          <a:schemeClr val="tx1"/>
+        </a:solidFill>
+        <a:latin typeface="+mn-lt"/>
+        <a:ea typeface="+mn-ea"/>
+        <a:cs typeface="+mn-cs"/>
+      </a:defRPr>
+    </a:lvl9pPr>
+  </p:notesStyle>
+</p:notesMaster>
+</file>
+
 <file path=ppt/slideLayouts/slideLayout1.xml><?xml version="1.0" encoding="utf-8"?>
 <p:sldLayout xmlns:a="http://schemas.openxmlformats.org/drawingml/2006/main" xmlns:r="http://schemas.openxmlformats.org/officeDocument/2006/relationships" xmlns:p="http://schemas.openxmlformats.org/presentationml/2006/main" type="title" preserve="1">
   <p:cSld name="タイトル スライド">
@@ -247,7 +634,7 @@
           <a:p>
             <a:fld id="{6A45F155-985A-4278-AF5D-4263EEDC5649}" type="datetimeFigureOut">
               <a:rPr kumimoji="1" lang="ja-JP" altLang="en-US" smtClean="0"/>
-              <a:t>2019/12/3</a:t>
+              <a:t>2020/1/8</a:t>
             </a:fld>
             <a:endParaRPr kumimoji="1" lang="ja-JP" altLang="en-US"/>
           </a:p>
@@ -449,7 +836,7 @@
           <a:p>
             <a:fld id="{6A45F155-985A-4278-AF5D-4263EEDC5649}" type="datetimeFigureOut">
               <a:rPr kumimoji="1" lang="ja-JP" altLang="en-US" smtClean="0"/>
-              <a:t>2019/12/3</a:t>
+              <a:t>2020/1/8</a:t>
             </a:fld>
             <a:endParaRPr kumimoji="1" lang="ja-JP" altLang="en-US"/>
           </a:p>
@@ -661,7 +1048,7 @@
           <a:p>
             <a:fld id="{6A45F155-985A-4278-AF5D-4263EEDC5649}" type="datetimeFigureOut">
               <a:rPr kumimoji="1" lang="ja-JP" altLang="en-US" smtClean="0"/>
-              <a:t>2019/12/3</a:t>
+              <a:t>2020/1/8</a:t>
             </a:fld>
             <a:endParaRPr kumimoji="1" lang="ja-JP" altLang="en-US"/>
           </a:p>
@@ -863,7 +1250,7 @@
           <a:p>
             <a:fld id="{6A45F155-985A-4278-AF5D-4263EEDC5649}" type="datetimeFigureOut">
               <a:rPr kumimoji="1" lang="ja-JP" altLang="en-US" smtClean="0"/>
-              <a:t>2019/12/3</a:t>
+              <a:t>2020/1/8</a:t>
             </a:fld>
             <a:endParaRPr kumimoji="1" lang="ja-JP" altLang="en-US"/>
           </a:p>
@@ -1109,7 +1496,7 @@
           <a:p>
             <a:fld id="{6A45F155-985A-4278-AF5D-4263EEDC5649}" type="datetimeFigureOut">
               <a:rPr kumimoji="1" lang="ja-JP" altLang="en-US" smtClean="0"/>
-              <a:t>2019/12/3</a:t>
+              <a:t>2020/1/8</a:t>
             </a:fld>
             <a:endParaRPr kumimoji="1" lang="ja-JP" altLang="en-US"/>
           </a:p>
@@ -1405,7 +1792,7 @@
           <a:p>
             <a:fld id="{6A45F155-985A-4278-AF5D-4263EEDC5649}" type="datetimeFigureOut">
               <a:rPr kumimoji="1" lang="ja-JP" altLang="en-US" smtClean="0"/>
-              <a:t>2019/12/3</a:t>
+              <a:t>2020/1/8</a:t>
             </a:fld>
             <a:endParaRPr kumimoji="1" lang="ja-JP" altLang="en-US"/>
           </a:p>
@@ -1836,7 +2223,7 @@
           <a:p>
             <a:fld id="{6A45F155-985A-4278-AF5D-4263EEDC5649}" type="datetimeFigureOut">
               <a:rPr kumimoji="1" lang="ja-JP" altLang="en-US" smtClean="0"/>
-              <a:t>2019/12/3</a:t>
+              <a:t>2020/1/8</a:t>
             </a:fld>
             <a:endParaRPr kumimoji="1" lang="ja-JP" altLang="en-US"/>
           </a:p>
@@ -1954,7 +2341,7 @@
           <a:p>
             <a:fld id="{6A45F155-985A-4278-AF5D-4263EEDC5649}" type="datetimeFigureOut">
               <a:rPr kumimoji="1" lang="ja-JP" altLang="en-US" smtClean="0"/>
-              <a:t>2019/12/3</a:t>
+              <a:t>2020/1/8</a:t>
             </a:fld>
             <a:endParaRPr kumimoji="1" lang="ja-JP" altLang="en-US"/>
           </a:p>
@@ -2049,7 +2436,7 @@
           <a:p>
             <a:fld id="{6A45F155-985A-4278-AF5D-4263EEDC5649}" type="datetimeFigureOut">
               <a:rPr kumimoji="1" lang="ja-JP" altLang="en-US" smtClean="0"/>
-              <a:t>2019/12/3</a:t>
+              <a:t>2020/1/8</a:t>
             </a:fld>
             <a:endParaRPr kumimoji="1" lang="ja-JP" altLang="en-US"/>
           </a:p>
@@ -2358,7 +2745,7 @@
           <a:p>
             <a:fld id="{6A45F155-985A-4278-AF5D-4263EEDC5649}" type="datetimeFigureOut">
               <a:rPr kumimoji="1" lang="ja-JP" altLang="en-US" smtClean="0"/>
-              <a:t>2019/12/3</a:t>
+              <a:t>2020/1/8</a:t>
             </a:fld>
             <a:endParaRPr kumimoji="1" lang="ja-JP" altLang="en-US"/>
           </a:p>
@@ -2611,7 +2998,7 @@
           <a:p>
             <a:fld id="{6A45F155-985A-4278-AF5D-4263EEDC5649}" type="datetimeFigureOut">
               <a:rPr kumimoji="1" lang="ja-JP" altLang="en-US" smtClean="0"/>
-              <a:t>2019/12/3</a:t>
+              <a:t>2020/1/8</a:t>
             </a:fld>
             <a:endParaRPr kumimoji="1" lang="ja-JP" altLang="en-US"/>
           </a:p>
@@ -2856,7 +3243,7 @@
           <a:p>
             <a:fld id="{6A45F155-985A-4278-AF5D-4263EEDC5649}" type="datetimeFigureOut">
               <a:rPr kumimoji="1" lang="ja-JP" altLang="en-US" smtClean="0"/>
-              <a:t>2019/12/3</a:t>
+              <a:t>2020/1/8</a:t>
             </a:fld>
             <a:endParaRPr kumimoji="1" lang="ja-JP" altLang="en-US"/>
           </a:p>
@@ -3933,220 +4320,6 @@
           <a:chExt cx="0" cy="0"/>
         </a:xfrm>
       </p:grpSpPr>
-      <p:sp>
-        <p:nvSpPr>
-          <p:cNvPr id="2" name="タイトル 1"/>
-          <p:cNvSpPr>
-            <a:spLocks noGrp="1"/>
-          </p:cNvSpPr>
-          <p:nvPr>
-            <p:ph type="ctrTitle"/>
-          </p:nvPr>
-        </p:nvSpPr>
-        <p:spPr>
-          <a:xfrm>
-            <a:off x="857573" y="650929"/>
-            <a:ext cx="8952854" cy="2154264"/>
-          </a:xfrm>
-        </p:spPr>
-        <p:txBody>
-          <a:bodyPr>
-            <a:noAutofit/>
-          </a:bodyPr>
-          <a:lstStyle/>
-          <a:p>
-            <a:pPr algn="l">
-              <a:lnSpc>
-                <a:spcPct val="100000"/>
-              </a:lnSpc>
-            </a:pPr>
-            <a:r>
-              <a:rPr lang="ja-JP" altLang="en-US" sz="1800" b="1" dirty="0"/>
-              <a:t>今日、アオザイはベトナムの伝統の典型的なシンボルになっており</a:t>
-            </a:r>
-            <a:r>
-              <a:rPr lang="ja-JP" altLang="en-US" sz="1800" b="1" dirty="0" smtClean="0"/>
-              <a:t>、公式</a:t>
-            </a:r>
-            <a:r>
-              <a:rPr lang="ja-JP" altLang="en-US" sz="1800" b="1" dirty="0"/>
-              <a:t>には民族衣装としては認められていませんが、この国と世界中で人気があります</a:t>
-            </a:r>
-            <a:r>
-              <a:rPr lang="ja-JP" altLang="en-US" sz="1800" b="1" dirty="0" smtClean="0"/>
-              <a:t>。通常</a:t>
-            </a:r>
-            <a:r>
-              <a:rPr lang="ja-JP" altLang="en-US" sz="1800" b="1" dirty="0"/>
-              <a:t>、生地の色は社会の人の状態を示すため、非常に重要です。 若い女性は、多くの場合</a:t>
-            </a:r>
-            <a:r>
-              <a:rPr lang="ja-JP" altLang="en-US" sz="1800" b="1" dirty="0" smtClean="0"/>
-              <a:t>、鮮明</a:t>
-            </a:r>
-            <a:r>
-              <a:rPr lang="ja-JP" altLang="en-US" sz="1800" b="1" dirty="0"/>
-              <a:t>で新鮮な色を着ることを好みます。 彼女が成熟し始めると、彼らは未婚であることを示すためにパステル色になりました</a:t>
-            </a:r>
-            <a:r>
-              <a:rPr lang="ja-JP" altLang="en-US" sz="1800" b="1" dirty="0" smtClean="0"/>
-              <a:t>。</a:t>
-            </a:r>
-            <a:r>
-              <a:rPr lang="en-US" altLang="ja-JP" sz="1800" b="1" dirty="0"/>
-              <a:t/>
-            </a:r>
-            <a:br>
-              <a:rPr lang="en-US" altLang="ja-JP" sz="1800" b="1" dirty="0"/>
-            </a:br>
-            <a:r>
-              <a:rPr lang="ja-JP" altLang="en-US" sz="1800" b="1" dirty="0" smtClean="0"/>
-              <a:t>結婚後</a:t>
-            </a:r>
-            <a:r>
-              <a:rPr lang="ja-JP" altLang="en-US" sz="1800" b="1" dirty="0"/>
-              <a:t>、彼女は暗い色で服を着る権利があります。 また、青や紫など、特別な機会のための特定の色もあります</a:t>
-            </a:r>
-            <a:r>
-              <a:rPr lang="ja-JP" altLang="en-US" sz="1800" b="1" dirty="0" smtClean="0"/>
-              <a:t>。</a:t>
-            </a:r>
-            <a:endParaRPr kumimoji="1" lang="ja-JP" altLang="en-US" sz="1800" b="1" dirty="0"/>
-          </a:p>
-        </p:txBody>
-      </p:sp>
-      <p:pic>
-        <p:nvPicPr>
-          <p:cNvPr id="4" name="図 3"/>
-          <p:cNvPicPr>
-            <a:picLocks noChangeAspect="1"/>
-          </p:cNvPicPr>
-          <p:nvPr/>
-        </p:nvPicPr>
-        <p:blipFill>
-          <a:blip r:embed="rId3">
-            <a:extLst>
-              <a:ext uri="{28A0092B-C50C-407E-A947-70E740481C1C}">
-                <a14:useLocalDpi xmlns:a14="http://schemas.microsoft.com/office/drawing/2010/main" val="0"/>
-              </a:ext>
-            </a:extLst>
-          </a:blip>
-          <a:stretch>
-            <a:fillRect/>
-          </a:stretch>
-        </p:blipFill>
-        <p:spPr>
-          <a:xfrm>
-            <a:off x="857573" y="2774197"/>
-            <a:ext cx="4277532" cy="4099299"/>
-          </a:xfrm>
-          <a:prstGeom prst="rect">
-            <a:avLst/>
-          </a:prstGeom>
-        </p:spPr>
-      </p:pic>
-      <p:pic>
-        <p:nvPicPr>
-          <p:cNvPr id="5" name="図 4"/>
-          <p:cNvPicPr>
-            <a:picLocks noChangeAspect="1"/>
-          </p:cNvPicPr>
-          <p:nvPr/>
-        </p:nvPicPr>
-        <p:blipFill>
-          <a:blip r:embed="rId4">
-            <a:extLst>
-              <a:ext uri="{28A0092B-C50C-407E-A947-70E740481C1C}">
-                <a14:useLocalDpi xmlns:a14="http://schemas.microsoft.com/office/drawing/2010/main" val="0"/>
-              </a:ext>
-            </a:extLst>
-          </a:blip>
-          <a:stretch>
-            <a:fillRect/>
-          </a:stretch>
-        </p:blipFill>
-        <p:spPr>
-          <a:xfrm>
-            <a:off x="6500758" y="2805193"/>
-            <a:ext cx="3604137" cy="4037306"/>
-          </a:xfrm>
-          <a:prstGeom prst="rect">
-            <a:avLst/>
-          </a:prstGeom>
-        </p:spPr>
-      </p:pic>
-      <p:sp>
-        <p:nvSpPr>
-          <p:cNvPr id="3" name="テキスト ボックス 2"/>
-          <p:cNvSpPr txBox="1"/>
-          <p:nvPr/>
-        </p:nvSpPr>
-        <p:spPr>
-          <a:xfrm>
-            <a:off x="2758698" y="123986"/>
-            <a:ext cx="4525505" cy="707886"/>
-          </a:xfrm>
-          <a:prstGeom prst="rect">
-            <a:avLst/>
-          </a:prstGeom>
-          <a:solidFill>
-            <a:srgbClr val="00B050"/>
-          </a:solidFill>
-        </p:spPr>
-        <p:txBody>
-          <a:bodyPr wrap="square" rtlCol="0">
-            <a:spAutoFit/>
-          </a:bodyPr>
-          <a:lstStyle/>
-          <a:p>
-            <a:pPr algn="ctr"/>
-            <a:r>
-              <a:rPr kumimoji="1" lang="ja-JP" altLang="en-US" sz="4000" b="1" dirty="0" smtClean="0"/>
-              <a:t>おすすめ</a:t>
-            </a:r>
-            <a:endParaRPr kumimoji="1" lang="ja-JP" altLang="en-US" sz="4000" b="1" dirty="0"/>
-          </a:p>
-        </p:txBody>
-      </p:sp>
-    </p:spTree>
-    <p:extLst>
-      <p:ext uri="{BB962C8B-B14F-4D97-AF65-F5344CB8AC3E}">
-        <p14:creationId xmlns:p14="http://schemas.microsoft.com/office/powerpoint/2010/main" val="2337139065"/>
-      </p:ext>
-    </p:extLst>
-  </p:cSld>
-  <p:clrMapOvr>
-    <a:masterClrMapping/>
-  </p:clrMapOvr>
-</p:sld>
-</file>
-
-<file path=ppt/slides/slide5.xml><?xml version="1.0" encoding="utf-8"?>
-<p:sld xmlns:a="http://schemas.openxmlformats.org/drawingml/2006/main" xmlns:r="http://schemas.openxmlformats.org/officeDocument/2006/relationships" xmlns:p="http://schemas.openxmlformats.org/presentationml/2006/main">
-  <p:cSld>
-    <p:bg>
-      <p:bgPr>
-        <a:blipFill>
-          <a:blip r:embed="rId2"/>
-          <a:tile tx="0" ty="0" sx="100000" sy="100000" flip="none" algn="tl"/>
-        </a:blipFill>
-        <a:effectLst/>
-      </p:bgPr>
-    </p:bg>
-    <p:spTree>
-      <p:nvGrpSpPr>
-        <p:cNvPr id="1" name=""/>
-        <p:cNvGrpSpPr/>
-        <p:nvPr/>
-      </p:nvGrpSpPr>
-      <p:grpSpPr>
-        <a:xfrm>
-          <a:off x="0" y="0"/>
-          <a:ext cx="0" cy="0"/>
-          <a:chOff x="0" y="0"/>
-          <a:chExt cx="0" cy="0"/>
-        </a:xfrm>
-      </p:grpSpPr>
       <p:pic>
         <p:nvPicPr>
           <p:cNvPr id="6" name="図 5"/>
@@ -4285,6 +4458,599 @@
     <p:extLst>
       <p:ext uri="{BB962C8B-B14F-4D97-AF65-F5344CB8AC3E}">
         <p14:creationId xmlns:p14="http://schemas.microsoft.com/office/powerpoint/2010/main" val="2220723137"/>
+      </p:ext>
+    </p:extLst>
+  </p:cSld>
+  <p:clrMapOvr>
+    <a:masterClrMapping/>
+  </p:clrMapOvr>
+</p:sld>
+</file>
+
+<file path=ppt/slides/slide5.xml><?xml version="1.0" encoding="utf-8"?>
+<p:sld xmlns:a="http://schemas.openxmlformats.org/drawingml/2006/main" xmlns:r="http://schemas.openxmlformats.org/officeDocument/2006/relationships" xmlns:p="http://schemas.openxmlformats.org/presentationml/2006/main">
+  <p:cSld>
+    <p:spTree>
+      <p:nvGrpSpPr>
+        <p:cNvPr id="1" name=""/>
+        <p:cNvGrpSpPr/>
+        <p:nvPr/>
+      </p:nvGrpSpPr>
+      <p:grpSpPr>
+        <a:xfrm>
+          <a:off x="0" y="0"/>
+          <a:ext cx="0" cy="0"/>
+          <a:chOff x="0" y="0"/>
+          <a:chExt cx="0" cy="0"/>
+        </a:xfrm>
+      </p:grpSpPr>
+      <p:sp>
+        <p:nvSpPr>
+          <p:cNvPr id="2" name="タイトル 1"/>
+          <p:cNvSpPr>
+            <a:spLocks noGrp="1"/>
+          </p:cNvSpPr>
+          <p:nvPr>
+            <p:ph type="title"/>
+          </p:nvPr>
+        </p:nvSpPr>
+        <p:spPr/>
+        <p:txBody>
+          <a:bodyPr/>
+          <a:lstStyle/>
+          <a:p>
+            <a:endParaRPr kumimoji="1" lang="ja-JP" altLang="en-US"/>
+          </a:p>
+        </p:txBody>
+      </p:sp>
+    </p:spTree>
+    <p:extLst>
+      <p:ext uri="{BB962C8B-B14F-4D97-AF65-F5344CB8AC3E}">
+        <p14:creationId xmlns:p14="http://schemas.microsoft.com/office/powerpoint/2010/main" val="3746975484"/>
+      </p:ext>
+    </p:extLst>
+  </p:cSld>
+  <p:clrMapOvr>
+    <a:masterClrMapping/>
+  </p:clrMapOvr>
+</p:sld>
+</file>
+
+<file path=ppt/slides/slide6.xml><?xml version="1.0" encoding="utf-8"?>
+<p:sld xmlns:a="http://schemas.openxmlformats.org/drawingml/2006/main" xmlns:r="http://schemas.openxmlformats.org/officeDocument/2006/relationships" xmlns:p="http://schemas.openxmlformats.org/presentationml/2006/main">
+  <p:cSld>
+    <p:spTree>
+      <p:nvGrpSpPr>
+        <p:cNvPr id="1" name=""/>
+        <p:cNvGrpSpPr/>
+        <p:nvPr/>
+      </p:nvGrpSpPr>
+      <p:grpSpPr>
+        <a:xfrm>
+          <a:off x="0" y="0"/>
+          <a:ext cx="0" cy="0"/>
+          <a:chOff x="0" y="0"/>
+          <a:chExt cx="0" cy="0"/>
+        </a:xfrm>
+      </p:grpSpPr>
+      <p:sp>
+        <p:nvSpPr>
+          <p:cNvPr id="2" name="タイトル 1"/>
+          <p:cNvSpPr>
+            <a:spLocks noGrp="1"/>
+          </p:cNvSpPr>
+          <p:nvPr>
+            <p:ph type="title"/>
+          </p:nvPr>
+        </p:nvSpPr>
+        <p:spPr>
+          <a:xfrm>
+            <a:off x="95114" y="365125"/>
+            <a:ext cx="11258686" cy="575401"/>
+          </a:xfrm>
+          <a:solidFill>
+            <a:srgbClr val="00B050"/>
+          </a:solidFill>
+        </p:spPr>
+        <p:txBody>
+          <a:bodyPr>
+            <a:normAutofit fontScale="90000"/>
+          </a:bodyPr>
+          <a:lstStyle/>
+          <a:p>
+            <a:pPr algn="ctr"/>
+            <a:r>
+              <a:rPr lang="ja-JP" altLang="en-US" b="1" dirty="0" smtClean="0"/>
+              <a:t>ベトナムのアオザイ</a:t>
+            </a:r>
+            <a:endParaRPr kumimoji="1" lang="ja-JP" altLang="en-US" b="1" dirty="0"/>
+          </a:p>
+        </p:txBody>
+      </p:sp>
+      <p:pic>
+        <p:nvPicPr>
+          <p:cNvPr id="4" name="コンテンツ プレースホルダー 3"/>
+          <p:cNvPicPr>
+            <a:picLocks noGrp="1" noChangeAspect="1"/>
+          </p:cNvPicPr>
+          <p:nvPr>
+            <p:ph idx="1"/>
+          </p:nvPr>
+        </p:nvPicPr>
+        <p:blipFill>
+          <a:blip r:embed="rId2">
+            <a:extLst>
+              <a:ext uri="{28A0092B-C50C-407E-A947-70E740481C1C}">
+                <a14:useLocalDpi xmlns:a14="http://schemas.microsoft.com/office/drawing/2010/main" val="0"/>
+              </a:ext>
+            </a:extLst>
+          </a:blip>
+          <a:stretch>
+            <a:fillRect/>
+          </a:stretch>
+        </p:blipFill>
+        <p:spPr>
+          <a:xfrm>
+            <a:off x="95114" y="1690688"/>
+            <a:ext cx="1943371" cy="4077269"/>
+          </a:xfrm>
+        </p:spPr>
+      </p:pic>
+      <p:pic>
+        <p:nvPicPr>
+          <p:cNvPr id="5" name="図 4"/>
+          <p:cNvPicPr>
+            <a:picLocks noChangeAspect="1"/>
+          </p:cNvPicPr>
+          <p:nvPr/>
+        </p:nvPicPr>
+        <p:blipFill>
+          <a:blip r:embed="rId3">
+            <a:extLst>
+              <a:ext uri="{28A0092B-C50C-407E-A947-70E740481C1C}">
+                <a14:useLocalDpi xmlns:a14="http://schemas.microsoft.com/office/drawing/2010/main" val="0"/>
+              </a:ext>
+            </a:extLst>
+          </a:blip>
+          <a:stretch>
+            <a:fillRect/>
+          </a:stretch>
+        </p:blipFill>
+        <p:spPr>
+          <a:xfrm>
+            <a:off x="2125614" y="1690688"/>
+            <a:ext cx="2074668" cy="4077269"/>
+          </a:xfrm>
+          <a:prstGeom prst="rect">
+            <a:avLst/>
+          </a:prstGeom>
+        </p:spPr>
+      </p:pic>
+      <p:pic>
+        <p:nvPicPr>
+          <p:cNvPr id="6" name="図 5"/>
+          <p:cNvPicPr>
+            <a:picLocks noChangeAspect="1"/>
+          </p:cNvPicPr>
+          <p:nvPr/>
+        </p:nvPicPr>
+        <p:blipFill>
+          <a:blip r:embed="rId4">
+            <a:extLst>
+              <a:ext uri="{28A0092B-C50C-407E-A947-70E740481C1C}">
+                <a14:useLocalDpi xmlns:a14="http://schemas.microsoft.com/office/drawing/2010/main" val="0"/>
+              </a:ext>
+            </a:extLst>
+          </a:blip>
+          <a:stretch>
+            <a:fillRect/>
+          </a:stretch>
+        </p:blipFill>
+        <p:spPr>
+          <a:xfrm>
+            <a:off x="4287411" y="1690688"/>
+            <a:ext cx="2029108" cy="4077269"/>
+          </a:xfrm>
+          <a:prstGeom prst="rect">
+            <a:avLst/>
+          </a:prstGeom>
+        </p:spPr>
+      </p:pic>
+      <p:sp>
+        <p:nvSpPr>
+          <p:cNvPr id="8" name="テキスト ボックス 7"/>
+          <p:cNvSpPr txBox="1"/>
+          <p:nvPr/>
+        </p:nvSpPr>
+        <p:spPr>
+          <a:xfrm>
+            <a:off x="6596743" y="1690688"/>
+            <a:ext cx="4757057" cy="3416320"/>
+          </a:xfrm>
+          <a:prstGeom prst="rect">
+            <a:avLst/>
+          </a:prstGeom>
+          <a:noFill/>
+        </p:spPr>
+        <p:txBody>
+          <a:bodyPr wrap="square" rtlCol="0">
+            <a:spAutoFit/>
+          </a:bodyPr>
+          <a:lstStyle/>
+          <a:p>
+            <a:r>
+              <a:rPr lang="ja-JP" altLang="en-US" sz="2400" b="1" dirty="0">
+                <a:latin typeface="+mj-ea"/>
+              </a:rPr>
+              <a:t>伝統的なアオザイの女性の美しさを否定することはできません。このドレスは、休暇中、講堂な​​</a:t>
+            </a:r>
+            <a:r>
+              <a:rPr lang="ja-JP" altLang="en-US" sz="2400" b="1" dirty="0" err="1">
+                <a:latin typeface="+mj-ea"/>
+              </a:rPr>
+              <a:t>どで</a:t>
+            </a:r>
+            <a:r>
+              <a:rPr lang="ja-JP" altLang="en-US" sz="2400" b="1" dirty="0">
+                <a:latin typeface="+mj-ea"/>
+              </a:rPr>
+              <a:t>女性が引き続き使用します</a:t>
+            </a:r>
+            <a:endParaRPr lang="en-US" altLang="ja-JP" sz="2400" b="1" dirty="0">
+              <a:latin typeface="+mj-ea"/>
+            </a:endParaRPr>
+          </a:p>
+          <a:p>
+            <a:r>
+              <a:rPr kumimoji="0" lang="ja-JP" altLang="ja-JP" sz="2400" b="1" dirty="0">
+                <a:solidFill>
+                  <a:srgbClr val="222222"/>
+                </a:solidFill>
+                <a:latin typeface="+mj-ea"/>
+              </a:rPr>
+              <a:t>現代のファッションリズムに合わせて、ドレスがリニューアルされました。シャツの一部から：襟、袖、トランク、ボタン、またはパンツを合わせて着用</a:t>
+            </a:r>
+            <a:r>
+              <a:rPr kumimoji="0" lang="ja-JP" altLang="ja-JP" sz="2400" b="1" dirty="0">
+                <a:latin typeface="+mj-ea"/>
+              </a:rPr>
+              <a:t> </a:t>
+            </a:r>
+            <a:endParaRPr kumimoji="0" lang="en-US" altLang="ja-JP" sz="2400" b="1" dirty="0">
+              <a:latin typeface="+mj-ea"/>
+            </a:endParaRPr>
+          </a:p>
+        </p:txBody>
+      </p:sp>
+      <p:sp>
+        <p:nvSpPr>
+          <p:cNvPr id="9" name="テキスト ボックス 8"/>
+          <p:cNvSpPr txBox="1"/>
+          <p:nvPr/>
+        </p:nvSpPr>
+        <p:spPr>
+          <a:xfrm>
+            <a:off x="1711234" y="1173383"/>
+            <a:ext cx="2090057" cy="400110"/>
+          </a:xfrm>
+          <a:prstGeom prst="rect">
+            <a:avLst/>
+          </a:prstGeom>
+          <a:solidFill>
+            <a:schemeClr val="accent2">
+              <a:lumMod val="60000"/>
+              <a:lumOff val="40000"/>
+            </a:schemeClr>
+          </a:solidFill>
+        </p:spPr>
+        <p:txBody>
+          <a:bodyPr wrap="square" rtlCol="0">
+            <a:spAutoFit/>
+          </a:bodyPr>
+          <a:lstStyle/>
+          <a:p>
+            <a:pPr algn="ctr"/>
+            <a:r>
+              <a:rPr kumimoji="1" lang="ja-JP" altLang="en-US" sz="2000" b="1" dirty="0" smtClean="0">
+                <a:solidFill>
+                  <a:srgbClr val="C00000"/>
+                </a:solidFill>
+              </a:rPr>
+              <a:t>新しいデザイン</a:t>
+            </a:r>
+            <a:endParaRPr kumimoji="1" lang="ja-JP" altLang="en-US" sz="2000" b="1" dirty="0">
+              <a:solidFill>
+                <a:srgbClr val="C00000"/>
+              </a:solidFill>
+            </a:endParaRPr>
+          </a:p>
+        </p:txBody>
+      </p:sp>
+    </p:spTree>
+    <p:extLst>
+      <p:ext uri="{BB962C8B-B14F-4D97-AF65-F5344CB8AC3E}">
+        <p14:creationId xmlns:p14="http://schemas.microsoft.com/office/powerpoint/2010/main" val="309524337"/>
+      </p:ext>
+    </p:extLst>
+  </p:cSld>
+  <p:clrMapOvr>
+    <a:masterClrMapping/>
+  </p:clrMapOvr>
+</p:sld>
+</file>
+
+<file path=ppt/slides/slide7.xml><?xml version="1.0" encoding="utf-8"?>
+<p:sld xmlns:a="http://schemas.openxmlformats.org/drawingml/2006/main" xmlns:r="http://schemas.openxmlformats.org/officeDocument/2006/relationships" xmlns:p="http://schemas.openxmlformats.org/presentationml/2006/main">
+  <p:cSld>
+    <p:spTree>
+      <p:nvGrpSpPr>
+        <p:cNvPr id="1" name=""/>
+        <p:cNvGrpSpPr/>
+        <p:nvPr/>
+      </p:nvGrpSpPr>
+      <p:grpSpPr>
+        <a:xfrm>
+          <a:off x="0" y="0"/>
+          <a:ext cx="0" cy="0"/>
+          <a:chOff x="0" y="0"/>
+          <a:chExt cx="0" cy="0"/>
+        </a:xfrm>
+      </p:grpSpPr>
+      <p:sp>
+        <p:nvSpPr>
+          <p:cNvPr id="2" name="タイトル 1"/>
+          <p:cNvSpPr>
+            <a:spLocks noGrp="1"/>
+          </p:cNvSpPr>
+          <p:nvPr>
+            <p:ph type="title"/>
+          </p:nvPr>
+        </p:nvSpPr>
+        <p:spPr>
+          <a:xfrm>
+            <a:off x="838201" y="156120"/>
+            <a:ext cx="10515600" cy="601526"/>
+          </a:xfrm>
+          <a:solidFill>
+            <a:srgbClr val="00B050"/>
+          </a:solidFill>
+        </p:spPr>
+        <p:txBody>
+          <a:bodyPr>
+            <a:normAutofit fontScale="90000"/>
+          </a:bodyPr>
+          <a:lstStyle/>
+          <a:p>
+            <a:pPr algn="ctr"/>
+            <a:r>
+              <a:rPr lang="ja-JP" altLang="en-US" b="1" dirty="0"/>
+              <a:t>ベトナムのアオザイ</a:t>
+            </a:r>
+            <a:endParaRPr kumimoji="1" lang="ja-JP" altLang="en-US" dirty="0"/>
+          </a:p>
+        </p:txBody>
+      </p:sp>
+      <p:pic>
+        <p:nvPicPr>
+          <p:cNvPr id="4" name="コンテンツ プレースホルダー 3"/>
+          <p:cNvPicPr>
+            <a:picLocks noGrp="1" noChangeAspect="1"/>
+          </p:cNvPicPr>
+          <p:nvPr>
+            <p:ph idx="1"/>
+          </p:nvPr>
+        </p:nvPicPr>
+        <p:blipFill>
+          <a:blip r:embed="rId2">
+            <a:extLst>
+              <a:ext uri="{28A0092B-C50C-407E-A947-70E740481C1C}">
+                <a14:useLocalDpi xmlns:a14="http://schemas.microsoft.com/office/drawing/2010/main" val="0"/>
+              </a:ext>
+            </a:extLst>
+          </a:blip>
+          <a:stretch>
+            <a:fillRect/>
+          </a:stretch>
+        </p:blipFill>
+        <p:spPr>
+          <a:xfrm>
+            <a:off x="838201" y="1413940"/>
+            <a:ext cx="2845526" cy="4581912"/>
+          </a:xfrm>
+        </p:spPr>
+      </p:pic>
+      <p:pic>
+        <p:nvPicPr>
+          <p:cNvPr id="5" name="図 4"/>
+          <p:cNvPicPr>
+            <a:picLocks noChangeAspect="1"/>
+          </p:cNvPicPr>
+          <p:nvPr/>
+        </p:nvPicPr>
+        <p:blipFill>
+          <a:blip r:embed="rId3">
+            <a:extLst>
+              <a:ext uri="{28A0092B-C50C-407E-A947-70E740481C1C}">
+                <a14:useLocalDpi xmlns:a14="http://schemas.microsoft.com/office/drawing/2010/main" val="0"/>
+              </a:ext>
+            </a:extLst>
+          </a:blip>
+          <a:stretch>
+            <a:fillRect/>
+          </a:stretch>
+        </p:blipFill>
+        <p:spPr>
+          <a:xfrm>
+            <a:off x="3683726" y="1413940"/>
+            <a:ext cx="2834639" cy="4581912"/>
+          </a:xfrm>
+          <a:prstGeom prst="rect">
+            <a:avLst/>
+          </a:prstGeom>
+        </p:spPr>
+      </p:pic>
+      <p:sp>
+        <p:nvSpPr>
+          <p:cNvPr id="6" name="テキスト ボックス 5"/>
+          <p:cNvSpPr txBox="1"/>
+          <p:nvPr/>
+        </p:nvSpPr>
+        <p:spPr>
+          <a:xfrm>
+            <a:off x="6635931" y="1541417"/>
+            <a:ext cx="4717869" cy="3939540"/>
+          </a:xfrm>
+          <a:prstGeom prst="rect">
+            <a:avLst/>
+          </a:prstGeom>
+          <a:noFill/>
+        </p:spPr>
+        <p:txBody>
+          <a:bodyPr wrap="square" rtlCol="0">
+            <a:spAutoFit/>
+          </a:bodyPr>
+          <a:lstStyle/>
+          <a:p>
+            <a:r>
+              <a:rPr lang="ja-JP" altLang="en-US" sz="2000" b="1" dirty="0" smtClean="0">
+                <a:latin typeface="+mj-ea"/>
+              </a:rPr>
+              <a:t>当時</a:t>
+            </a:r>
+            <a:r>
+              <a:rPr lang="ja-JP" altLang="en-US" sz="2000" b="1" dirty="0">
+                <a:latin typeface="+mj-ea"/>
+              </a:rPr>
+              <a:t>の製織技術はまだ初歩的なものだったため、布地は細かく織られていたため、委託シャツは徐々に</a:t>
+            </a:r>
+            <a:r>
+              <a:rPr lang="en-US" altLang="ja-JP" sz="2000" b="1" dirty="0">
+                <a:latin typeface="+mj-ea"/>
+              </a:rPr>
+              <a:t>4</a:t>
+            </a:r>
+            <a:r>
+              <a:rPr lang="ja-JP" altLang="en-US" sz="2000" b="1" dirty="0">
+                <a:latin typeface="+mj-ea"/>
+              </a:rPr>
+              <a:t>ピースのシャツになりました。シャツは背中の後ろの</a:t>
+            </a:r>
+            <a:r>
+              <a:rPr lang="en-US" altLang="ja-JP" sz="2000" b="1" dirty="0">
+                <a:latin typeface="+mj-ea"/>
+              </a:rPr>
+              <a:t>2</a:t>
+            </a:r>
+            <a:r>
+              <a:rPr lang="ja-JP" altLang="en-US" sz="2000" b="1" dirty="0" err="1">
+                <a:latin typeface="+mj-ea"/>
+              </a:rPr>
+              <a:t>つの</a:t>
+            </a:r>
+            <a:r>
+              <a:rPr lang="ja-JP" altLang="en-US" sz="2000" b="1" dirty="0">
+                <a:latin typeface="+mj-ea"/>
+              </a:rPr>
+              <a:t>部分で構成され、背中の間でつなぎ合わされ、前の</a:t>
+            </a:r>
+            <a:r>
+              <a:rPr lang="en-US" altLang="ja-JP" sz="2000" b="1" dirty="0">
+                <a:latin typeface="+mj-ea"/>
+              </a:rPr>
+              <a:t>2</a:t>
+            </a:r>
+            <a:r>
+              <a:rPr lang="ja-JP" altLang="en-US" sz="2000" b="1" dirty="0" err="1">
+                <a:latin typeface="+mj-ea"/>
+              </a:rPr>
+              <a:t>つの</a:t>
+            </a:r>
+            <a:r>
+              <a:rPr lang="ja-JP" altLang="en-US" sz="2000" b="1" dirty="0">
+                <a:latin typeface="+mj-ea"/>
+              </a:rPr>
+              <a:t>部分は縛られ、深いスカートのあるキャミソールを着て、中央の</a:t>
+            </a:r>
+            <a:r>
+              <a:rPr lang="en-US" altLang="ja-JP" sz="2000" b="1" dirty="0">
+                <a:latin typeface="+mj-ea"/>
+              </a:rPr>
+              <a:t>2</a:t>
+            </a:r>
+            <a:r>
+              <a:rPr lang="ja-JP" altLang="en-US" sz="2000" b="1" dirty="0" err="1">
+                <a:latin typeface="+mj-ea"/>
+              </a:rPr>
+              <a:t>つの</a:t>
+            </a:r>
+            <a:r>
+              <a:rPr lang="ja-JP" altLang="en-US" sz="2000" b="1" dirty="0">
+                <a:latin typeface="+mj-ea"/>
+              </a:rPr>
+              <a:t>フラップに落とされます。ボディースーツは、一生懸命働き、機知に富み、面倒な一年中田舎の女性に適しています。</a:t>
+            </a:r>
+            <a:endParaRPr kumimoji="0" lang="ja-JP" altLang="ja-JP" sz="2000" b="1" dirty="0">
+              <a:latin typeface="+mj-ea"/>
+            </a:endParaRPr>
+          </a:p>
+          <a:p>
+            <a:endParaRPr lang="ja-JP" altLang="en-US" sz="1200" b="1" dirty="0">
+              <a:latin typeface="+mj-ea"/>
+            </a:endParaRPr>
+          </a:p>
+          <a:p>
+            <a:endParaRPr kumimoji="1" lang="ja-JP" altLang="en-US" dirty="0"/>
+          </a:p>
+        </p:txBody>
+      </p:sp>
+      <p:sp>
+        <p:nvSpPr>
+          <p:cNvPr id="7" name="テキスト ボックス 6"/>
+          <p:cNvSpPr txBox="1"/>
+          <p:nvPr/>
+        </p:nvSpPr>
+        <p:spPr>
+          <a:xfrm>
+            <a:off x="2592976" y="964865"/>
+            <a:ext cx="2508069" cy="369332"/>
+          </a:xfrm>
+          <a:prstGeom prst="rect">
+            <a:avLst/>
+          </a:prstGeom>
+          <a:solidFill>
+            <a:schemeClr val="accent1">
+              <a:lumMod val="40000"/>
+              <a:lumOff val="60000"/>
+            </a:schemeClr>
+          </a:solidFill>
+        </p:spPr>
+        <p:txBody>
+          <a:bodyPr wrap="square" rtlCol="0">
+            <a:spAutoFit/>
+          </a:bodyPr>
+          <a:lstStyle/>
+          <a:p>
+            <a:pPr algn="ctr"/>
+            <a:r>
+              <a:rPr kumimoji="1" lang="ja-JP" altLang="en-US" b="1" dirty="0" smtClean="0">
+                <a:solidFill>
+                  <a:srgbClr val="C00000"/>
+                </a:solidFill>
+              </a:rPr>
+              <a:t>昔のアオザイ</a:t>
+            </a:r>
+            <a:endParaRPr kumimoji="1" lang="ja-JP" altLang="en-US" b="1" dirty="0">
+              <a:solidFill>
+                <a:srgbClr val="C00000"/>
+              </a:solidFill>
+            </a:endParaRPr>
+          </a:p>
+        </p:txBody>
+      </p:sp>
+    </p:spTree>
+    <p:extLst>
+      <p:ext uri="{BB962C8B-B14F-4D97-AF65-F5344CB8AC3E}">
+        <p14:creationId xmlns:p14="http://schemas.microsoft.com/office/powerpoint/2010/main" val="176459366"/>
       </p:ext>
     </p:extLst>
   </p:cSld>
@@ -4553,4 +5319,265 @@
     </a:ext>
   </a:extLst>
 </a:theme>
+</file>
+
+<file path=ppt/theme/theme2.xml><?xml version="1.0" encoding="utf-8"?>
+<a:theme xmlns:a="http://schemas.openxmlformats.org/drawingml/2006/main" name="Office テーマ">
+  <a:themeElements>
+    <a:clrScheme name="Office">
+      <a:dk1>
+        <a:sysClr val="windowText" lastClr="000000"/>
+      </a:dk1>
+      <a:lt1>
+        <a:sysClr val="window" lastClr="FFFFFF"/>
+      </a:lt1>
+      <a:dk2>
+        <a:srgbClr val="44546A"/>
+      </a:dk2>
+      <a:lt2>
+        <a:srgbClr val="E7E6E6"/>
+      </a:lt2>
+      <a:accent1>
+        <a:srgbClr val="5B9BD5"/>
+      </a:accent1>
+      <a:accent2>
+        <a:srgbClr val="ED7D31"/>
+      </a:accent2>
+      <a:accent3>
+        <a:srgbClr val="A5A5A5"/>
+      </a:accent3>
+      <a:accent4>
+        <a:srgbClr val="FFC000"/>
+      </a:accent4>
+      <a:accent5>
+        <a:srgbClr val="4472C4"/>
+      </a:accent5>
+      <a:accent6>
+        <a:srgbClr val="70AD47"/>
+      </a:accent6>
+      <a:hlink>
+        <a:srgbClr val="0563C1"/>
+      </a:hlink>
+      <a:folHlink>
+        <a:srgbClr val="954F72"/>
+      </a:folHlink>
+    </a:clrScheme>
+    <a:fontScheme name="Office">
+      <a:majorFont>
+        <a:latin typeface="游ゴシック Light" panose="020F0302020204030204"/>
+        <a:ea typeface=""/>
+        <a:cs typeface=""/>
+        <a:font script="Jpan" typeface="游ゴシック Light"/>
+        <a:font script="Hang" typeface="맑은 고딕"/>
+        <a:font script="Hans" typeface="等线 Light"/>
+        <a:font script="Hant" typeface="新細明體"/>
+        <a:font script="Arab" typeface="Times New Roman"/>
+        <a:font script="Hebr" typeface="Times New Roman"/>
+        <a:font script="Thai" typeface="Angsana New"/>
+        <a:font script="Ethi" typeface="Nyala"/>
+        <a:font script="Beng" typeface="Vrinda"/>
+        <a:font script="Gujr" typeface="Shruti"/>
+        <a:font script="Khmr" typeface="MoolBoran"/>
+        <a:font script="Knda" typeface="Tunga"/>
+        <a:font script="Guru" typeface="Raavi"/>
+        <a:font script="Cans" typeface="Euphemia"/>
+        <a:font script="Cher" typeface="Plantagenet Cherokee"/>
+        <a:font script="Yiii" typeface="Microsoft Yi Baiti"/>
+        <a:font script="Tibt" typeface="Microsoft Himalaya"/>
+        <a:font script="Thaa" typeface="MV Boli"/>
+        <a:font script="Deva" typeface="Mangal"/>
+        <a:font script="Telu" typeface="Gautami"/>
+        <a:font script="Taml" typeface="Latha"/>
+        <a:font script="Syrc" typeface="Estrangelo Edessa"/>
+        <a:font script="Orya" typeface="Kalinga"/>
+        <a:font script="Mlym" typeface="Kartika"/>
+        <a:font script="Laoo" typeface="DokChampa"/>
+        <a:font script="Sinh" typeface="Iskoola Pota"/>
+        <a:font script="Mong" typeface="Mongolian Baiti"/>
+        <a:font script="Viet" typeface="Times New Roman"/>
+        <a:font script="Uigh" typeface="Microsoft Uighur"/>
+        <a:font script="Geor" typeface="Sylfaen"/>
+      </a:majorFont>
+      <a:minorFont>
+        <a:latin typeface="游ゴシック" panose="020F0502020204030204"/>
+        <a:ea typeface=""/>
+        <a:cs typeface=""/>
+        <a:font script="Jpan" typeface="游ゴシック"/>
+        <a:font script="Hang" typeface="맑은 고딕"/>
+        <a:font script="Hans" typeface="等线"/>
+        <a:font script="Hant" typeface="新細明體"/>
+        <a:font script="Arab" typeface="Arial"/>
+        <a:font script="Hebr" typeface="Arial"/>
+        <a:font script="Thai" typeface="Cordia New"/>
+        <a:font script="Ethi" typeface="Nyala"/>
+        <a:font script="Beng" typeface="Vrinda"/>
+        <a:font script="Gujr" typeface="Shruti"/>
+        <a:font script="Khmr" typeface="DaunPenh"/>
+        <a:font script="Knda" typeface="Tunga"/>
+        <a:font script="Guru" typeface="Raavi"/>
+        <a:font script="Cans" typeface="Euphemia"/>
+        <a:font script="Cher" typeface="Plantagenet Cherokee"/>
+        <a:font script="Yiii" typeface="Microsoft Yi Baiti"/>
+        <a:font script="Tibt" typeface="Microsoft Himalaya"/>
+        <a:font script="Thaa" typeface="MV Boli"/>
+        <a:font script="Deva" typeface="Mangal"/>
+        <a:font script="Telu" typeface="Gautami"/>
+        <a:font script="Taml" typeface="Latha"/>
+        <a:font script="Syrc" typeface="Estrangelo Edessa"/>
+        <a:font script="Orya" typeface="Kalinga"/>
+        <a:font script="Mlym" typeface="Kartika"/>
+        <a:font script="Laoo" typeface="DokChampa"/>
+        <a:font script="Sinh" typeface="Iskoola Pota"/>
+        <a:font script="Mong" typeface="Mongolian Baiti"/>
+        <a:font script="Viet" typeface="Arial"/>
+        <a:font script="Uigh" typeface="Microsoft Uighur"/>
+        <a:font script="Geor" typeface="Sylfaen"/>
+      </a:minorFont>
+    </a:fontScheme>
+    <a:fmtScheme name="Office">
+      <a:fillStyleLst>
+        <a:solidFill>
+          <a:schemeClr val="phClr"/>
+        </a:solidFill>
+        <a:gradFill rotWithShape="1">
+          <a:gsLst>
+            <a:gs pos="0">
+              <a:schemeClr val="phClr">
+                <a:lumMod val="110000"/>
+                <a:satMod val="105000"/>
+                <a:tint val="67000"/>
+              </a:schemeClr>
+            </a:gs>
+            <a:gs pos="50000">
+              <a:schemeClr val="phClr">
+                <a:lumMod val="105000"/>
+                <a:satMod val="103000"/>
+                <a:tint val="73000"/>
+              </a:schemeClr>
+            </a:gs>
+            <a:gs pos="100000">
+              <a:schemeClr val="phClr">
+                <a:lumMod val="105000"/>
+                <a:satMod val="109000"/>
+                <a:tint val="81000"/>
+              </a:schemeClr>
+            </a:gs>
+          </a:gsLst>
+          <a:lin ang="5400000" scaled="0"/>
+        </a:gradFill>
+        <a:gradFill rotWithShape="1">
+          <a:gsLst>
+            <a:gs pos="0">
+              <a:schemeClr val="phClr">
+                <a:satMod val="103000"/>
+                <a:lumMod val="102000"/>
+                <a:tint val="94000"/>
+              </a:schemeClr>
+            </a:gs>
+            <a:gs pos="50000">
+              <a:schemeClr val="phClr">
+                <a:satMod val="110000"/>
+                <a:lumMod val="100000"/>
+                <a:shade val="100000"/>
+              </a:schemeClr>
+            </a:gs>
+            <a:gs pos="100000">
+              <a:schemeClr val="phClr">
+                <a:lumMod val="99000"/>
+                <a:satMod val="120000"/>
+                <a:shade val="78000"/>
+              </a:schemeClr>
+            </a:gs>
+          </a:gsLst>
+          <a:lin ang="5400000" scaled="0"/>
+        </a:gradFill>
+      </a:fillStyleLst>
+      <a:lnStyleLst>
+        <a:ln w="6350" cap="flat" cmpd="sng" algn="ctr">
+          <a:solidFill>
+            <a:schemeClr val="phClr"/>
+          </a:solidFill>
+          <a:prstDash val="solid"/>
+          <a:miter lim="800000"/>
+        </a:ln>
+        <a:ln w="12700" cap="flat" cmpd="sng" algn="ctr">
+          <a:solidFill>
+            <a:schemeClr val="phClr"/>
+          </a:solidFill>
+          <a:prstDash val="solid"/>
+          <a:miter lim="800000"/>
+        </a:ln>
+        <a:ln w="19050" cap="flat" cmpd="sng" algn="ctr">
+          <a:solidFill>
+            <a:schemeClr val="phClr"/>
+          </a:solidFill>
+          <a:prstDash val="solid"/>
+          <a:miter lim="800000"/>
+        </a:ln>
+      </a:lnStyleLst>
+      <a:effectStyleLst>
+        <a:effectStyle>
+          <a:effectLst/>
+        </a:effectStyle>
+        <a:effectStyle>
+          <a:effectLst/>
+        </a:effectStyle>
+        <a:effectStyle>
+          <a:effectLst>
+            <a:outerShdw blurRad="57150" dist="19050" dir="5400000" algn="ctr" rotWithShape="0">
+              <a:srgbClr val="000000">
+                <a:alpha val="63000"/>
+              </a:srgbClr>
+            </a:outerShdw>
+          </a:effectLst>
+        </a:effectStyle>
+      </a:effectStyleLst>
+      <a:bgFillStyleLst>
+        <a:solidFill>
+          <a:schemeClr val="phClr"/>
+        </a:solidFill>
+        <a:solidFill>
+          <a:schemeClr val="phClr">
+            <a:tint val="95000"/>
+            <a:satMod val="170000"/>
+          </a:schemeClr>
+        </a:solidFill>
+        <a:gradFill rotWithShape="1">
+          <a:gsLst>
+            <a:gs pos="0">
+              <a:schemeClr val="phClr">
+                <a:tint val="93000"/>
+                <a:satMod val="150000"/>
+                <a:shade val="98000"/>
+                <a:lumMod val="102000"/>
+              </a:schemeClr>
+            </a:gs>
+            <a:gs pos="50000">
+              <a:schemeClr val="phClr">
+                <a:tint val="98000"/>
+                <a:satMod val="130000"/>
+                <a:shade val="90000"/>
+                <a:lumMod val="103000"/>
+              </a:schemeClr>
+            </a:gs>
+            <a:gs pos="100000">
+              <a:schemeClr val="phClr">
+                <a:shade val="63000"/>
+                <a:satMod val="120000"/>
+              </a:schemeClr>
+            </a:gs>
+          </a:gsLst>
+          <a:lin ang="5400000" scaled="0"/>
+        </a:gradFill>
+      </a:bgFillStyleLst>
+    </a:fmtScheme>
+  </a:themeElements>
+  <a:objectDefaults/>
+  <a:extraClrSchemeLst/>
+  <a:extLst>
+    <a:ext uri="{05A4C25C-085E-4340-85A3-A5531E510DB2}">
+      <thm15:themeFamily xmlns:thm15="http://schemas.microsoft.com/office/thememl/2012/main" name="Office Theme" id="{62F939B6-93AF-4DB8-9C6B-D6C7DFDC589F}" vid="{4A3C46E8-61CC-4603-A589-7422A47A8E4A}"/>
+    </a:ext>
+  </a:extLst>
+</a:theme>
 </file>
--- a/提出（学生が出す）ー岡本/AM/17813/今日、アオザイはベトナムの伝統の.pptx
+++ b/提出（学生が出す）ー岡本/AM/17813/今日、アオザイはベトナムの伝統の.pptx
@@ -5,16 +5,15 @@
     <p:sldMasterId id="2147483648" r:id="rId1"/>
   </p:sldMasterIdLst>
   <p:notesMasterIdLst>
-    <p:notesMasterId r:id="rId9"/>
+    <p:notesMasterId r:id="rId8"/>
   </p:notesMasterIdLst>
   <p:sldIdLst>
     <p:sldId id="259" r:id="rId2"/>
     <p:sldId id="257" r:id="rId3"/>
-    <p:sldId id="258" r:id="rId4"/>
-    <p:sldId id="260" r:id="rId5"/>
-    <p:sldId id="264" r:id="rId6"/>
-    <p:sldId id="262" r:id="rId7"/>
-    <p:sldId id="263" r:id="rId8"/>
+    <p:sldId id="264" r:id="rId4"/>
+    <p:sldId id="262" r:id="rId5"/>
+    <p:sldId id="263" r:id="rId6"/>
+    <p:sldId id="265" r:id="rId7"/>
   </p:sldIdLst>
   <p:sldSz cx="12192000" cy="6858000"/>
   <p:notesSz cx="6858000" cy="9144000"/>
@@ -203,7 +202,7 @@
           <a:p>
             <a:fld id="{FA045BB6-0057-4EE9-96CB-6460F781F582}" type="datetimeFigureOut">
               <a:rPr kumimoji="1" lang="ja-JP" altLang="en-US" smtClean="0"/>
-              <a:t>2020/1/8</a:t>
+              <a:t>2020/1/21</a:t>
             </a:fld>
             <a:endParaRPr kumimoji="1" lang="ja-JP" altLang="en-US"/>
           </a:p>
@@ -634,7 +633,7 @@
           <a:p>
             <a:fld id="{6A45F155-985A-4278-AF5D-4263EEDC5649}" type="datetimeFigureOut">
               <a:rPr kumimoji="1" lang="ja-JP" altLang="en-US" smtClean="0"/>
-              <a:t>2020/1/8</a:t>
+              <a:t>2020/1/21</a:t>
             </a:fld>
             <a:endParaRPr kumimoji="1" lang="ja-JP" altLang="en-US"/>
           </a:p>
@@ -836,7 +835,7 @@
           <a:p>
             <a:fld id="{6A45F155-985A-4278-AF5D-4263EEDC5649}" type="datetimeFigureOut">
               <a:rPr kumimoji="1" lang="ja-JP" altLang="en-US" smtClean="0"/>
-              <a:t>2020/1/8</a:t>
+              <a:t>2020/1/21</a:t>
             </a:fld>
             <a:endParaRPr kumimoji="1" lang="ja-JP" altLang="en-US"/>
           </a:p>
@@ -1048,7 +1047,7 @@
           <a:p>
             <a:fld id="{6A45F155-985A-4278-AF5D-4263EEDC5649}" type="datetimeFigureOut">
               <a:rPr kumimoji="1" lang="ja-JP" altLang="en-US" smtClean="0"/>
-              <a:t>2020/1/8</a:t>
+              <a:t>2020/1/21</a:t>
             </a:fld>
             <a:endParaRPr kumimoji="1" lang="ja-JP" altLang="en-US"/>
           </a:p>
@@ -1250,7 +1249,7 @@
           <a:p>
             <a:fld id="{6A45F155-985A-4278-AF5D-4263EEDC5649}" type="datetimeFigureOut">
               <a:rPr kumimoji="1" lang="ja-JP" altLang="en-US" smtClean="0"/>
-              <a:t>2020/1/8</a:t>
+              <a:t>2020/1/21</a:t>
             </a:fld>
             <a:endParaRPr kumimoji="1" lang="ja-JP" altLang="en-US"/>
           </a:p>
@@ -1496,7 +1495,7 @@
           <a:p>
             <a:fld id="{6A45F155-985A-4278-AF5D-4263EEDC5649}" type="datetimeFigureOut">
               <a:rPr kumimoji="1" lang="ja-JP" altLang="en-US" smtClean="0"/>
-              <a:t>2020/1/8</a:t>
+              <a:t>2020/1/21</a:t>
             </a:fld>
             <a:endParaRPr kumimoji="1" lang="ja-JP" altLang="en-US"/>
           </a:p>
@@ -1792,7 +1791,7 @@
           <a:p>
             <a:fld id="{6A45F155-985A-4278-AF5D-4263EEDC5649}" type="datetimeFigureOut">
               <a:rPr kumimoji="1" lang="ja-JP" altLang="en-US" smtClean="0"/>
-              <a:t>2020/1/8</a:t>
+              <a:t>2020/1/21</a:t>
             </a:fld>
             <a:endParaRPr kumimoji="1" lang="ja-JP" altLang="en-US"/>
           </a:p>
@@ -2223,7 +2222,7 @@
           <a:p>
             <a:fld id="{6A45F155-985A-4278-AF5D-4263EEDC5649}" type="datetimeFigureOut">
               <a:rPr kumimoji="1" lang="ja-JP" altLang="en-US" smtClean="0"/>
-              <a:t>2020/1/8</a:t>
+              <a:t>2020/1/21</a:t>
             </a:fld>
             <a:endParaRPr kumimoji="1" lang="ja-JP" altLang="en-US"/>
           </a:p>
@@ -2341,7 +2340,7 @@
           <a:p>
             <a:fld id="{6A45F155-985A-4278-AF5D-4263EEDC5649}" type="datetimeFigureOut">
               <a:rPr kumimoji="1" lang="ja-JP" altLang="en-US" smtClean="0"/>
-              <a:t>2020/1/8</a:t>
+              <a:t>2020/1/21</a:t>
             </a:fld>
             <a:endParaRPr kumimoji="1" lang="ja-JP" altLang="en-US"/>
           </a:p>
@@ -2436,7 +2435,7 @@
           <a:p>
             <a:fld id="{6A45F155-985A-4278-AF5D-4263EEDC5649}" type="datetimeFigureOut">
               <a:rPr kumimoji="1" lang="ja-JP" altLang="en-US" smtClean="0"/>
-              <a:t>2020/1/8</a:t>
+              <a:t>2020/1/21</a:t>
             </a:fld>
             <a:endParaRPr kumimoji="1" lang="ja-JP" altLang="en-US"/>
           </a:p>
@@ -2745,7 +2744,7 @@
           <a:p>
             <a:fld id="{6A45F155-985A-4278-AF5D-4263EEDC5649}" type="datetimeFigureOut">
               <a:rPr kumimoji="1" lang="ja-JP" altLang="en-US" smtClean="0"/>
-              <a:t>2020/1/8</a:t>
+              <a:t>2020/1/21</a:t>
             </a:fld>
             <a:endParaRPr kumimoji="1" lang="ja-JP" altLang="en-US"/>
           </a:p>
@@ -2998,7 +2997,7 @@
           <a:p>
             <a:fld id="{6A45F155-985A-4278-AF5D-4263EEDC5649}" type="datetimeFigureOut">
               <a:rPr kumimoji="1" lang="ja-JP" altLang="en-US" smtClean="0"/>
-              <a:t>2020/1/8</a:t>
+              <a:t>2020/1/21</a:t>
             </a:fld>
             <a:endParaRPr kumimoji="1" lang="ja-JP" altLang="en-US"/>
           </a:p>
@@ -3243,7 +3242,7 @@
           <a:p>
             <a:fld id="{6A45F155-985A-4278-AF5D-4263EEDC5649}" type="datetimeFigureOut">
               <a:rPr kumimoji="1" lang="ja-JP" altLang="en-US" smtClean="0"/>
-              <a:t>2020/1/8</a:t>
+              <a:t>2020/1/21</a:t>
             </a:fld>
             <a:endParaRPr kumimoji="1" lang="ja-JP" altLang="en-US"/>
           </a:p>
@@ -4145,15 +4144,6 @@
 <file path=ppt/slides/slide3.xml><?xml version="1.0" encoding="utf-8"?>
 <p:sld xmlns:a="http://schemas.openxmlformats.org/drawingml/2006/main" xmlns:r="http://schemas.openxmlformats.org/officeDocument/2006/relationships" xmlns:p="http://schemas.openxmlformats.org/presentationml/2006/main">
   <p:cSld>
-    <p:bg>
-      <p:bgPr>
-        <a:blipFill>
-          <a:blip r:embed="rId2"/>
-          <a:tile tx="0" ty="0" sx="100000" sy="100000" flip="none" algn="tl"/>
-        </a:blipFill>
-        <a:effectLst/>
-      </p:bgPr>
-    </p:bg>
     <p:spTree>
       <p:nvGrpSpPr>
         <p:cNvPr id="1" name=""/>
@@ -4170,64 +4160,62 @@
       </p:grpSpPr>
       <p:sp>
         <p:nvSpPr>
-          <p:cNvPr id="6" name="テキスト ボックス 5"/>
-          <p:cNvSpPr txBox="1"/>
-          <p:nvPr/>
-        </p:nvSpPr>
-        <p:spPr>
-          <a:xfrm>
-            <a:off x="6264544" y="961127"/>
-            <a:ext cx="4258805" cy="5632311"/>
-          </a:xfrm>
-          <a:prstGeom prst="rect">
-            <a:avLst/>
-          </a:prstGeom>
-          <a:noFill/>
-        </p:spPr>
-        <p:txBody>
-          <a:bodyPr wrap="square" rtlCol="0">
-            <a:spAutoFit/>
-          </a:bodyPr>
-          <a:lstStyle/>
-          <a:p>
-            <a:r>
-              <a:rPr lang="ja-JP" altLang="en-US" sz="2000" b="1" dirty="0"/>
-              <a:t>ハノイ人は多様で豊かな生活を送っています。 これまで、ハノイの人々はその才能と才能で有名であり、エンターテイメントと美的ニーズを満たす高品質の製品を生み出してきました</a:t>
-            </a:r>
-            <a:r>
-              <a:rPr lang="ja-JP" altLang="en-US" sz="2000" b="1" dirty="0" smtClean="0"/>
-              <a:t>。また、多くの</a:t>
-            </a:r>
-            <a:r>
-              <a:rPr lang="ja-JP" altLang="en-US" sz="2000" b="1" dirty="0"/>
-              <a:t>優雅な喜びがあり、精神的な生活に役立っています。 ハノイの人々は食べる、グルメな遊び、グルメな服装、繊細な味わい、優しい、美を知り、美を楽しむ方法を知っています</a:t>
-            </a:r>
-            <a:r>
-              <a:rPr lang="ja-JP" altLang="en-US" sz="2000" b="1" dirty="0" smtClean="0"/>
-              <a:t>。エレガント</a:t>
-            </a:r>
-            <a:r>
-              <a:rPr lang="ja-JP" altLang="en-US" sz="2000" b="1" dirty="0"/>
-              <a:t>で文明的なものは多くの異なる美しさの組み合わせであり、エレガントでエレガント、シンプルでシンプル、そして伝統と現代の響きがあります。 文明は完全に分離されているわけではありません。彼らはこれとそれとの密接な関係を持っています</a:t>
-            </a:r>
-            <a:r>
-              <a:rPr lang="ja-JP" altLang="en-US" sz="2000" b="1" dirty="0" smtClean="0"/>
-              <a:t>。</a:t>
-            </a:r>
-            <a:endParaRPr kumimoji="1" lang="ja-JP" altLang="en-US" sz="2000" b="1" dirty="0"/>
+          <p:cNvPr id="2" name="タイトル 1"/>
+          <p:cNvSpPr>
+            <a:spLocks noGrp="1"/>
+          </p:cNvSpPr>
+          <p:nvPr>
+            <p:ph type="title"/>
+          </p:nvPr>
+        </p:nvSpPr>
+        <p:spPr>
+          <a:xfrm>
+            <a:off x="838200" y="365126"/>
+            <a:ext cx="10515600" cy="704258"/>
+          </a:xfrm>
+          <a:solidFill>
+            <a:srgbClr val="00B050"/>
+          </a:solidFill>
+        </p:spPr>
+        <p:txBody>
+          <a:bodyPr/>
+          <a:lstStyle/>
+          <a:p>
+            <a:pPr algn="ctr"/>
+            <a:r>
+              <a:rPr lang="ja-JP" altLang="en-US" b="1" dirty="0" smtClean="0">
+                <a:solidFill>
+                  <a:sysClr val="windowText" lastClr="000000"/>
+                </a:solidFill>
+              </a:rPr>
+              <a:t>お</a:t>
+            </a:r>
+            <a:r>
+              <a:rPr lang="ja-JP" altLang="en-US" b="1" dirty="0">
+                <a:solidFill>
+                  <a:sysClr val="windowText" lastClr="000000"/>
+                </a:solidFill>
+              </a:rPr>
+              <a:t>土産</a:t>
+            </a:r>
+            <a:endParaRPr kumimoji="1" lang="ja-JP" altLang="en-US" b="1" dirty="0">
+              <a:solidFill>
+                <a:sysClr val="windowText" lastClr="000000"/>
+              </a:solidFill>
+            </a:endParaRPr>
           </a:p>
         </p:txBody>
       </p:sp>
       <p:pic>
         <p:nvPicPr>
-          <p:cNvPr id="4" name="図 3"/>
+          <p:cNvPr id="3" name="図 2"/>
           <p:cNvPicPr>
             <a:picLocks noChangeAspect="1"/>
           </p:cNvPicPr>
           <p:nvPr/>
         </p:nvPicPr>
         <p:blipFill>
-          <a:blip r:embed="rId3" cstate="print">
+          <a:blip r:embed="rId2">
             <a:extLst>
               <a:ext uri="{28A0092B-C50C-407E-A947-70E740481C1C}">
                 <a14:useLocalDpi xmlns:a14="http://schemas.microsoft.com/office/drawing/2010/main" val="0"/>
@@ -4240,89 +4228,17 @@
         </p:blipFill>
         <p:spPr>
           <a:xfrm>
-            <a:off x="799776" y="1136343"/>
-            <a:ext cx="4881967" cy="5581082"/>
+            <a:off x="146019" y="1375770"/>
+            <a:ext cx="2353003" cy="1909871"/>
           </a:xfrm>
           <a:prstGeom prst="rect">
             <a:avLst/>
           </a:prstGeom>
         </p:spPr>
       </p:pic>
-      <p:sp>
-        <p:nvSpPr>
-          <p:cNvPr id="2" name="テキスト ボックス 1"/>
-          <p:cNvSpPr txBox="1"/>
-          <p:nvPr/>
-        </p:nvSpPr>
-        <p:spPr>
-          <a:xfrm>
-            <a:off x="799775" y="130130"/>
-            <a:ext cx="4881967" cy="830997"/>
-          </a:xfrm>
-          <a:prstGeom prst="rect">
-            <a:avLst/>
-          </a:prstGeom>
-          <a:solidFill>
-            <a:srgbClr val="00B050"/>
-          </a:solidFill>
-        </p:spPr>
-        <p:txBody>
-          <a:bodyPr wrap="square" rtlCol="0">
-            <a:spAutoFit/>
-          </a:bodyPr>
-          <a:lstStyle/>
-          <a:p>
-            <a:pPr algn="ctr"/>
-            <a:r>
-              <a:rPr lang="ja-JP" altLang="en-US" sz="4800" b="1" dirty="0"/>
-              <a:t>仕事</a:t>
-            </a:r>
-            <a:endParaRPr kumimoji="1" lang="ja-JP" altLang="en-US" sz="4800" b="1" dirty="0"/>
-          </a:p>
-        </p:txBody>
-      </p:sp>
-    </p:spTree>
-    <p:extLst>
-      <p:ext uri="{BB962C8B-B14F-4D97-AF65-F5344CB8AC3E}">
-        <p14:creationId xmlns:p14="http://schemas.microsoft.com/office/powerpoint/2010/main" val="1485273039"/>
-      </p:ext>
-    </p:extLst>
-  </p:cSld>
-  <p:clrMapOvr>
-    <a:masterClrMapping/>
-  </p:clrMapOvr>
-</p:sld>
-</file>
-
-<file path=ppt/slides/slide4.xml><?xml version="1.0" encoding="utf-8"?>
-<p:sld xmlns:a="http://schemas.openxmlformats.org/drawingml/2006/main" xmlns:r="http://schemas.openxmlformats.org/officeDocument/2006/relationships" xmlns:p="http://schemas.openxmlformats.org/presentationml/2006/main">
-  <p:cSld>
-    <p:bg>
-      <p:bgPr>
-        <a:blipFill>
-          <a:blip r:embed="rId2"/>
-          <a:tile tx="0" ty="0" sx="100000" sy="100000" flip="none" algn="tl"/>
-        </a:blipFill>
-        <a:effectLst/>
-      </p:bgPr>
-    </p:bg>
-    <p:spTree>
-      <p:nvGrpSpPr>
-        <p:cNvPr id="1" name=""/>
-        <p:cNvGrpSpPr/>
-        <p:nvPr/>
-      </p:nvGrpSpPr>
-      <p:grpSpPr>
-        <a:xfrm>
-          <a:off x="0" y="0"/>
-          <a:ext cx="0" cy="0"/>
-          <a:chOff x="0" y="0"/>
-          <a:chExt cx="0" cy="0"/>
-        </a:xfrm>
-      </p:grpSpPr>
       <p:pic>
         <p:nvPicPr>
-          <p:cNvPr id="6" name="図 5"/>
+          <p:cNvPr id="4" name="図 3"/>
           <p:cNvPicPr>
             <a:picLocks noChangeAspect="1"/>
           </p:cNvPicPr>
@@ -4342,24 +4258,84 @@
         </p:blipFill>
         <p:spPr>
           <a:xfrm>
-            <a:off x="151267" y="1053885"/>
-            <a:ext cx="5908567" cy="4990454"/>
+            <a:off x="146018" y="4176789"/>
+            <a:ext cx="2353003" cy="1981476"/>
           </a:xfrm>
           <a:prstGeom prst="rect">
             <a:avLst/>
           </a:prstGeom>
         </p:spPr>
       </p:pic>
-      <p:sp>
-        <p:nvSpPr>
-          <p:cNvPr id="9" name="テキスト ボックス 8"/>
+      <p:pic>
+        <p:nvPicPr>
+          <p:cNvPr id="5" name="図 4"/>
+          <p:cNvPicPr>
+            <a:picLocks noChangeAspect="1"/>
+          </p:cNvPicPr>
+          <p:nvPr/>
+        </p:nvPicPr>
+        <p:blipFill>
+          <a:blip r:embed="rId4">
+            <a:extLst>
+              <a:ext uri="{28A0092B-C50C-407E-A947-70E740481C1C}">
+                <a14:useLocalDpi xmlns:a14="http://schemas.microsoft.com/office/drawing/2010/main" val="0"/>
+              </a:ext>
+            </a:extLst>
+          </a:blip>
+          <a:stretch>
+            <a:fillRect/>
+          </a:stretch>
+        </p:blipFill>
+        <p:spPr>
+          <a:xfrm>
+            <a:off x="6296501" y="1492388"/>
+            <a:ext cx="2419688" cy="1676634"/>
+          </a:xfrm>
+          <a:prstGeom prst="rect">
+            <a:avLst/>
+          </a:prstGeom>
+        </p:spPr>
+      </p:pic>
+      <p:pic>
+        <p:nvPicPr>
+          <p:cNvPr id="6" name="図 5"/>
+          <p:cNvPicPr>
+            <a:picLocks noChangeAspect="1"/>
+          </p:cNvPicPr>
+          <p:nvPr/>
+        </p:nvPicPr>
+        <p:blipFill>
+          <a:blip r:embed="rId5">
+            <a:extLst>
+              <a:ext uri="{28A0092B-C50C-407E-A947-70E740481C1C}">
+                <a14:useLocalDpi xmlns:a14="http://schemas.microsoft.com/office/drawing/2010/main" val="0"/>
+              </a:ext>
+            </a:extLst>
+          </a:blip>
+          <a:stretch>
+            <a:fillRect/>
+          </a:stretch>
+        </p:blipFill>
+        <p:spPr>
+          <a:xfrm>
+            <a:off x="6296501" y="4176789"/>
+            <a:ext cx="2425579" cy="1790057"/>
+          </a:xfrm>
+          <a:prstGeom prst="rect">
+            <a:avLst/>
+          </a:prstGeom>
+        </p:spPr>
+      </p:pic>
+      <p:sp>
+        <p:nvSpPr>
+          <p:cNvPr id="7" name="テキスト ボックス 6"/>
           <p:cNvSpPr txBox="1"/>
           <p:nvPr/>
         </p:nvSpPr>
         <p:spPr>
           <a:xfrm>
-            <a:off x="6865749" y="919264"/>
-            <a:ext cx="5067945" cy="4664995"/>
+            <a:off x="2696705" y="4176789"/>
+            <a:ext cx="3068664" cy="2462213"/>
           </a:xfrm>
           <a:prstGeom prst="rect">
             <a:avLst/>
@@ -4372,71 +4348,422 @@
           </a:bodyPr>
           <a:lstStyle/>
           <a:p>
-            <a:pPr>
-              <a:lnSpc>
-                <a:spcPct val="150000"/>
-              </a:lnSpc>
-            </a:pPr>
-            <a:r>
-              <a:rPr lang="ja-JP" altLang="en-US" sz="2000" b="1" dirty="0"/>
-              <a:t>いつものようにうるさいわけではありませんが、雨の下でハノイは奇妙で、古代で素朴な後味を</a:t>
-            </a:r>
-            <a:r>
-              <a:rPr lang="ja-JP" altLang="en-US" sz="2000" b="1" dirty="0" smtClean="0"/>
-              <a:t>もたらします</a:t>
-            </a:r>
-            <a:r>
-              <a:rPr lang="ja-JP" altLang="en-US" sz="2000" b="1" dirty="0"/>
-              <a:t>。</a:t>
-            </a:r>
-            <a:r>
-              <a:rPr lang="ja-JP" altLang="en-US" sz="2000" b="1" dirty="0" smtClean="0"/>
-              <a:t>雨</a:t>
-            </a:r>
-            <a:r>
-              <a:rPr lang="ja-JP" altLang="en-US" sz="2000" b="1" dirty="0"/>
-              <a:t>の中で、人々の流れはより急になりましたが、一瞬一瞬がより遅くなり、より美しくなり、肌が薄く</a:t>
-            </a:r>
-            <a:r>
-              <a:rPr lang="ja-JP" altLang="en-US" sz="2000" b="1" dirty="0" smtClean="0"/>
-              <a:t>なりました。ドロップバイドロップ</a:t>
-            </a:r>
-            <a:r>
-              <a:rPr lang="ja-JP" altLang="en-US" sz="2000" b="1" dirty="0"/>
-              <a:t>は、騒々しい街を素朴に変えました。 雨の中、ハノイはより古く見えます。 もっと美しいような瞬間</a:t>
-            </a:r>
-            <a:r>
-              <a:rPr lang="ja-JP" altLang="en-US" sz="2000" b="1" dirty="0" smtClean="0"/>
-              <a:t>。しかし</a:t>
-            </a:r>
-            <a:r>
-              <a:rPr lang="ja-JP" altLang="en-US" sz="2000" b="1" dirty="0"/>
-              <a:t>、雨でも写真は悲しげに見えます</a:t>
-            </a:r>
-            <a:r>
-              <a:rPr lang="ja-JP" altLang="en-US" sz="2000" b="1" dirty="0" smtClean="0"/>
-              <a:t>。</a:t>
-            </a:r>
-            <a:endParaRPr kumimoji="1" lang="ja-JP" altLang="en-US" sz="2000" b="1" dirty="0"/>
-          </a:p>
-        </p:txBody>
-      </p:sp>
-      <p:sp>
-        <p:nvSpPr>
-          <p:cNvPr id="2" name="テキスト ボックス 1"/>
+            <a:r>
+              <a:rPr lang="ja-JP" altLang="en-US" sz="1400" b="1" dirty="0" smtClean="0"/>
+              <a:t>緑</a:t>
+            </a:r>
+            <a:r>
+              <a:rPr lang="ja-JP" altLang="en-US" sz="1400" b="1" dirty="0"/>
+              <a:t>豆</a:t>
+            </a:r>
+            <a:r>
+              <a:rPr lang="ja-JP" altLang="en-US" sz="1400" b="1" dirty="0" err="1"/>
+              <a:t>あんは</a:t>
+            </a:r>
+            <a:r>
+              <a:rPr lang="ja-JP" altLang="en-US" sz="1400" b="1" dirty="0"/>
+              <a:t>白あん風で、</a:t>
+            </a:r>
+          </a:p>
+          <a:p>
+            <a:r>
+              <a:rPr lang="ja-JP" altLang="en-US" sz="1400" b="1" dirty="0" err="1"/>
+              <a:t>あんを</a:t>
+            </a:r>
+            <a:r>
+              <a:rPr lang="ja-JP" altLang="en-US" sz="1400" b="1" dirty="0"/>
+              <a:t>包むぷるぷるな生地はういろう風なので、</a:t>
+            </a:r>
+          </a:p>
+          <a:p>
+            <a:r>
+              <a:rPr lang="ja-JP" altLang="en-US" sz="1400" b="1" dirty="0"/>
+              <a:t>「おやおや、和菓子かな？」という雰囲気たっぷりです。</a:t>
+            </a:r>
+          </a:p>
+          <a:p>
+            <a:r>
+              <a:rPr lang="ja-JP" altLang="en-US" sz="1400" b="1" dirty="0" smtClean="0"/>
+              <a:t>ところで</a:t>
+            </a:r>
+            <a:r>
+              <a:rPr lang="ja-JP" altLang="en-US" sz="1400" b="1" dirty="0"/>
+              <a:t>、パッケージにある「寧源」は、有名なバイン・コム屋さんなんだとか。</a:t>
+            </a:r>
+          </a:p>
+          <a:p>
+            <a:r>
+              <a:rPr lang="ja-JP" altLang="en-US" sz="1400" b="1" dirty="0"/>
+              <a:t>「ネイゲン」とは読まず、ベトナムでは「グエン・ニン」なんです</a:t>
+            </a:r>
+          </a:p>
+          <a:p>
+            <a:endParaRPr kumimoji="1" lang="ja-JP" altLang="en-US" sz="1400" dirty="0"/>
+          </a:p>
+        </p:txBody>
+      </p:sp>
+      <p:sp>
+        <p:nvSpPr>
+          <p:cNvPr id="8" name="テキスト ボックス 7"/>
           <p:cNvSpPr txBox="1"/>
           <p:nvPr/>
         </p:nvSpPr>
         <p:spPr>
           <a:xfrm>
-            <a:off x="151267" y="144959"/>
-            <a:ext cx="5908567" cy="774305"/>
+            <a:off x="2696705" y="1375770"/>
+            <a:ext cx="3068664" cy="2462213"/>
+          </a:xfrm>
+          <a:prstGeom prst="rect">
+            <a:avLst/>
+          </a:prstGeom>
+          <a:noFill/>
+        </p:spPr>
+        <p:txBody>
+          <a:bodyPr wrap="square" rtlCol="0">
+            <a:spAutoFit/>
+          </a:bodyPr>
+          <a:lstStyle/>
+          <a:p>
+            <a:r>
+              <a:rPr lang="ja-JP" altLang="en-US" sz="1400" b="1" dirty="0"/>
+              <a:t>ノンラ</a:t>
+            </a:r>
+            <a:r>
+              <a:rPr lang="en-US" altLang="ja-JP" sz="1400" b="1" dirty="0"/>
+              <a:t>-</a:t>
+            </a:r>
+            <a:r>
+              <a:rPr lang="ja-JP" altLang="en-US" sz="1400" b="1" dirty="0"/>
+              <a:t>観光大使は、ベトナムの女性の美しさを称えるのに不可欠な部分でもあります。ロングドレス</a:t>
+            </a:r>
+            <a:r>
+              <a:rPr lang="en-US" altLang="ja-JP" sz="1400" b="1" dirty="0"/>
+              <a:t>-</a:t>
+            </a:r>
+            <a:r>
+              <a:rPr lang="ja-JP" altLang="en-US" sz="1400" b="1" dirty="0"/>
+              <a:t>ノンラは、穏やかで繊細なベトナム人女性の標準的なイメージになっています。ロングドレスが女の子のエレガントな美しさ、優雅さと優雅さを高めている場合、ノンラは女の子に隠された美しさ、タイトではるかに魅力的なものをもたらします。</a:t>
+            </a:r>
+          </a:p>
+          <a:p>
+            <a:endParaRPr kumimoji="1" lang="ja-JP" altLang="en-US" sz="1400" dirty="0"/>
+          </a:p>
+        </p:txBody>
+      </p:sp>
+      <p:sp>
+        <p:nvSpPr>
+          <p:cNvPr id="9" name="テキスト ボックス 8"/>
+          <p:cNvSpPr txBox="1"/>
+          <p:nvPr/>
+        </p:nvSpPr>
+        <p:spPr>
+          <a:xfrm>
+            <a:off x="8865030" y="1380321"/>
+            <a:ext cx="2696705" cy="2062103"/>
+          </a:xfrm>
+          <a:prstGeom prst="rect">
+            <a:avLst/>
+          </a:prstGeom>
+          <a:noFill/>
+        </p:spPr>
+        <p:txBody>
+          <a:bodyPr wrap="square" rtlCol="0">
+            <a:spAutoFit/>
+          </a:bodyPr>
+          <a:lstStyle/>
+          <a:p>
+            <a:r>
+              <a:rPr lang="ja-JP" altLang="en-US" sz="1600" b="1" dirty="0"/>
+              <a:t>ベトナムの豊かな文化を学ぶために、外国人はそれらの衣装について学ぶのが大好きです</a:t>
+            </a:r>
+            <a:r>
+              <a:rPr lang="en-US" altLang="ja-JP" sz="1600" b="1" dirty="0"/>
+              <a:t>...</a:t>
+            </a:r>
+            <a:r>
+              <a:rPr lang="ja-JP" altLang="en-US" sz="1600" b="1" dirty="0"/>
+              <a:t>そしてドレスとノンラをかぶった人形の素敵な小さな人形は魅力的な贈り物であり、面白い空想。</a:t>
+            </a:r>
+          </a:p>
+          <a:p>
+            <a:endParaRPr kumimoji="1" lang="ja-JP" altLang="en-US" sz="1600" dirty="0"/>
+          </a:p>
+        </p:txBody>
+      </p:sp>
+      <p:sp>
+        <p:nvSpPr>
+          <p:cNvPr id="10" name="テキスト ボックス 9"/>
+          <p:cNvSpPr txBox="1"/>
+          <p:nvPr/>
+        </p:nvSpPr>
+        <p:spPr>
+          <a:xfrm>
+            <a:off x="8865029" y="4013365"/>
+            <a:ext cx="2696705" cy="2308324"/>
+          </a:xfrm>
+          <a:prstGeom prst="rect">
+            <a:avLst/>
+          </a:prstGeom>
+          <a:noFill/>
+        </p:spPr>
+        <p:txBody>
+          <a:bodyPr wrap="square" rtlCol="0">
+            <a:spAutoFit/>
+          </a:bodyPr>
+          <a:lstStyle/>
+          <a:p>
+            <a:r>
+              <a:rPr lang="ja-JP" altLang="en-US" b="1" dirty="0" smtClean="0"/>
+              <a:t>蓮</a:t>
+            </a:r>
+            <a:r>
+              <a:rPr lang="ja-JP" altLang="en-US" b="1" dirty="0"/>
+              <a:t>茶は、予防と治療の主要な治療薬と考えられています。緑茶と蓮の花から結晶化された蓮茶には、健康に非常に有益な多くの有効成分が含まれています。</a:t>
+            </a:r>
+          </a:p>
+          <a:p>
+            <a:endParaRPr kumimoji="1" lang="ja-JP" altLang="en-US" dirty="0"/>
+          </a:p>
+        </p:txBody>
+      </p:sp>
+    </p:spTree>
+    <p:extLst>
+      <p:ext uri="{BB962C8B-B14F-4D97-AF65-F5344CB8AC3E}">
+        <p14:creationId xmlns:p14="http://schemas.microsoft.com/office/powerpoint/2010/main" val="3746975484"/>
+      </p:ext>
+    </p:extLst>
+  </p:cSld>
+  <p:clrMapOvr>
+    <a:masterClrMapping/>
+  </p:clrMapOvr>
+</p:sld>
+</file>
+
+<file path=ppt/slides/slide4.xml><?xml version="1.0" encoding="utf-8"?>
+<p:sld xmlns:a="http://schemas.openxmlformats.org/drawingml/2006/main" xmlns:r="http://schemas.openxmlformats.org/officeDocument/2006/relationships" xmlns:p="http://schemas.openxmlformats.org/presentationml/2006/main">
+  <p:cSld>
+    <p:spTree>
+      <p:nvGrpSpPr>
+        <p:cNvPr id="1" name=""/>
+        <p:cNvGrpSpPr/>
+        <p:nvPr/>
+      </p:nvGrpSpPr>
+      <p:grpSpPr>
+        <a:xfrm>
+          <a:off x="0" y="0"/>
+          <a:ext cx="0" cy="0"/>
+          <a:chOff x="0" y="0"/>
+          <a:chExt cx="0" cy="0"/>
+        </a:xfrm>
+      </p:grpSpPr>
+      <p:sp>
+        <p:nvSpPr>
+          <p:cNvPr id="2" name="タイトル 1"/>
+          <p:cNvSpPr>
+            <a:spLocks noGrp="1"/>
+          </p:cNvSpPr>
+          <p:nvPr>
+            <p:ph type="title"/>
+          </p:nvPr>
+        </p:nvSpPr>
+        <p:spPr>
+          <a:xfrm>
+            <a:off x="95114" y="365125"/>
+            <a:ext cx="11258686" cy="575401"/>
+          </a:xfrm>
+          <a:solidFill>
+            <a:srgbClr val="00B050"/>
+          </a:solidFill>
+        </p:spPr>
+        <p:txBody>
+          <a:bodyPr>
+            <a:normAutofit fontScale="90000"/>
+          </a:bodyPr>
+          <a:lstStyle/>
+          <a:p>
+            <a:pPr algn="ctr"/>
+            <a:r>
+              <a:rPr lang="ja-JP" altLang="en-US" b="1" dirty="0" smtClean="0"/>
+              <a:t>ベトナムのアオザイ</a:t>
+            </a:r>
+            <a:endParaRPr kumimoji="1" lang="ja-JP" altLang="en-US" b="1" dirty="0"/>
+          </a:p>
+        </p:txBody>
+      </p:sp>
+      <p:pic>
+        <p:nvPicPr>
+          <p:cNvPr id="4" name="コンテンツ プレースホルダー 3"/>
+          <p:cNvPicPr>
+            <a:picLocks noGrp="1" noChangeAspect="1"/>
+          </p:cNvPicPr>
+          <p:nvPr>
+            <p:ph idx="1"/>
+          </p:nvPr>
+        </p:nvPicPr>
+        <p:blipFill>
+          <a:blip r:embed="rId2">
+            <a:extLst>
+              <a:ext uri="{28A0092B-C50C-407E-A947-70E740481C1C}">
+                <a14:useLocalDpi xmlns:a14="http://schemas.microsoft.com/office/drawing/2010/main" val="0"/>
+              </a:ext>
+            </a:extLst>
+          </a:blip>
+          <a:stretch>
+            <a:fillRect/>
+          </a:stretch>
+        </p:blipFill>
+        <p:spPr>
+          <a:xfrm>
+            <a:off x="95114" y="1690688"/>
+            <a:ext cx="1943371" cy="4077269"/>
+          </a:xfrm>
+        </p:spPr>
+      </p:pic>
+      <p:pic>
+        <p:nvPicPr>
+          <p:cNvPr id="5" name="図 4"/>
+          <p:cNvPicPr>
+            <a:picLocks noChangeAspect="1"/>
+          </p:cNvPicPr>
+          <p:nvPr/>
+        </p:nvPicPr>
+        <p:blipFill>
+          <a:blip r:embed="rId3">
+            <a:extLst>
+              <a:ext uri="{28A0092B-C50C-407E-A947-70E740481C1C}">
+                <a14:useLocalDpi xmlns:a14="http://schemas.microsoft.com/office/drawing/2010/main" val="0"/>
+              </a:ext>
+            </a:extLst>
+          </a:blip>
+          <a:stretch>
+            <a:fillRect/>
+          </a:stretch>
+        </p:blipFill>
+        <p:spPr>
+          <a:xfrm>
+            <a:off x="2125614" y="1690688"/>
+            <a:ext cx="2074668" cy="4077269"/>
+          </a:xfrm>
+          <a:prstGeom prst="rect">
+            <a:avLst/>
+          </a:prstGeom>
+        </p:spPr>
+      </p:pic>
+      <p:pic>
+        <p:nvPicPr>
+          <p:cNvPr id="6" name="図 5"/>
+          <p:cNvPicPr>
+            <a:picLocks noChangeAspect="1"/>
+          </p:cNvPicPr>
+          <p:nvPr/>
+        </p:nvPicPr>
+        <p:blipFill>
+          <a:blip r:embed="rId4">
+            <a:extLst>
+              <a:ext uri="{28A0092B-C50C-407E-A947-70E740481C1C}">
+                <a14:useLocalDpi xmlns:a14="http://schemas.microsoft.com/office/drawing/2010/main" val="0"/>
+              </a:ext>
+            </a:extLst>
+          </a:blip>
+          <a:stretch>
+            <a:fillRect/>
+          </a:stretch>
+        </p:blipFill>
+        <p:spPr>
+          <a:xfrm>
+            <a:off x="4287411" y="1690688"/>
+            <a:ext cx="2029108" cy="4077269"/>
+          </a:xfrm>
+          <a:prstGeom prst="rect">
+            <a:avLst/>
+          </a:prstGeom>
+        </p:spPr>
+      </p:pic>
+      <p:sp>
+        <p:nvSpPr>
+          <p:cNvPr id="8" name="テキスト ボックス 7"/>
+          <p:cNvSpPr txBox="1"/>
+          <p:nvPr/>
+        </p:nvSpPr>
+        <p:spPr>
+          <a:xfrm>
+            <a:off x="6596743" y="1690688"/>
+            <a:ext cx="4757057" cy="3416320"/>
+          </a:xfrm>
+          <a:prstGeom prst="rect">
+            <a:avLst/>
+          </a:prstGeom>
+          <a:noFill/>
+        </p:spPr>
+        <p:txBody>
+          <a:bodyPr wrap="square" rtlCol="0">
+            <a:spAutoFit/>
+          </a:bodyPr>
+          <a:lstStyle/>
+          <a:p>
+            <a:r>
+              <a:rPr lang="ja-JP" altLang="en-US" sz="2400" b="1" dirty="0">
+                <a:latin typeface="+mj-ea"/>
+              </a:rPr>
+              <a:t>伝統的なアオザイの女性の美しさを否定することはできません。このドレスは、休暇中、講堂な​​</a:t>
+            </a:r>
+            <a:r>
+              <a:rPr lang="ja-JP" altLang="en-US" sz="2400" b="1" dirty="0" err="1">
+                <a:latin typeface="+mj-ea"/>
+              </a:rPr>
+              <a:t>どで</a:t>
+            </a:r>
+            <a:r>
+              <a:rPr lang="ja-JP" altLang="en-US" sz="2400" b="1" dirty="0">
+                <a:latin typeface="+mj-ea"/>
+              </a:rPr>
+              <a:t>女性が引き続き使用します</a:t>
+            </a:r>
+            <a:endParaRPr lang="en-US" altLang="ja-JP" sz="2400" b="1" dirty="0">
+              <a:latin typeface="+mj-ea"/>
+            </a:endParaRPr>
+          </a:p>
+          <a:p>
+            <a:r>
+              <a:rPr kumimoji="0" lang="ja-JP" altLang="ja-JP" sz="2400" b="1" dirty="0">
+                <a:solidFill>
+                  <a:srgbClr val="222222"/>
+                </a:solidFill>
+                <a:latin typeface="+mj-ea"/>
+              </a:rPr>
+              <a:t>現代のファッションリズムに合わせて、ドレスがリニューアルされました。シャツの一部から：襟、袖、トランク、ボタン、またはパンツを合わせて着用</a:t>
+            </a:r>
+            <a:r>
+              <a:rPr kumimoji="0" lang="ja-JP" altLang="ja-JP" sz="2400" b="1" dirty="0">
+                <a:latin typeface="+mj-ea"/>
+              </a:rPr>
+              <a:t> </a:t>
+            </a:r>
+            <a:endParaRPr kumimoji="0" lang="en-US" altLang="ja-JP" sz="2400" b="1" dirty="0">
+              <a:latin typeface="+mj-ea"/>
+            </a:endParaRPr>
+          </a:p>
+        </p:txBody>
+      </p:sp>
+      <p:sp>
+        <p:nvSpPr>
+          <p:cNvPr id="9" name="テキスト ボックス 8"/>
+          <p:cNvSpPr txBox="1"/>
+          <p:nvPr/>
+        </p:nvSpPr>
+        <p:spPr>
+          <a:xfrm>
+            <a:off x="1711234" y="1173383"/>
+            <a:ext cx="2090057" cy="400110"/>
           </a:xfrm>
           <a:prstGeom prst="rect">
             <a:avLst/>
           </a:prstGeom>
           <a:solidFill>
-            <a:srgbClr val="00B050"/>
+            <a:schemeClr val="accent2">
+              <a:lumMod val="60000"/>
+              <a:lumOff val="40000"/>
+            </a:schemeClr>
           </a:solidFill>
         </p:spPr>
         <p:txBody>
@@ -4447,17 +4774,25 @@
           <a:p>
             <a:pPr algn="ctr"/>
             <a:r>
-              <a:rPr kumimoji="1" lang="ja-JP" altLang="en-US" sz="4400" b="1" dirty="0" smtClean="0"/>
-              <a:t>車両</a:t>
-            </a:r>
-            <a:endParaRPr kumimoji="1" lang="ja-JP" altLang="en-US" sz="4400" b="1" dirty="0"/>
+              <a:rPr kumimoji="1" lang="ja-JP" altLang="en-US" sz="2000" b="1" dirty="0" smtClean="0">
+                <a:solidFill>
+                  <a:srgbClr val="C00000"/>
+                </a:solidFill>
+              </a:rPr>
+              <a:t>新しいデザイン</a:t>
+            </a:r>
+            <a:endParaRPr kumimoji="1" lang="ja-JP" altLang="en-US" sz="2000" b="1" dirty="0">
+              <a:solidFill>
+                <a:srgbClr val="C00000"/>
+              </a:solidFill>
+            </a:endParaRPr>
           </a:p>
         </p:txBody>
       </p:sp>
     </p:spTree>
     <p:extLst>
       <p:ext uri="{BB962C8B-B14F-4D97-AF65-F5344CB8AC3E}">
-        <p14:creationId xmlns:p14="http://schemas.microsoft.com/office/powerpoint/2010/main" val="2220723137"/>
+        <p14:creationId xmlns:p14="http://schemas.microsoft.com/office/powerpoint/2010/main" val="309524337"/>
       </p:ext>
     </p:extLst>
   </p:cSld>
@@ -4494,19 +4829,251 @@
             <p:ph type="title"/>
           </p:nvPr>
         </p:nvSpPr>
-        <p:spPr/>
-        <p:txBody>
-          <a:bodyPr/>
-          <a:lstStyle/>
-          <a:p>
-            <a:endParaRPr kumimoji="1" lang="ja-JP" altLang="en-US"/>
+        <p:spPr>
+          <a:xfrm>
+            <a:off x="838201" y="156120"/>
+            <a:ext cx="10515600" cy="601526"/>
+          </a:xfrm>
+          <a:solidFill>
+            <a:srgbClr val="00B050"/>
+          </a:solidFill>
+        </p:spPr>
+        <p:txBody>
+          <a:bodyPr>
+            <a:normAutofit fontScale="90000"/>
+          </a:bodyPr>
+          <a:lstStyle/>
+          <a:p>
+            <a:pPr algn="ctr"/>
+            <a:r>
+              <a:rPr lang="ja-JP" altLang="en-US" b="1" dirty="0"/>
+              <a:t>ベトナムのアオザイ</a:t>
+            </a:r>
+            <a:endParaRPr kumimoji="1" lang="ja-JP" altLang="en-US" dirty="0"/>
+          </a:p>
+        </p:txBody>
+      </p:sp>
+      <p:pic>
+        <p:nvPicPr>
+          <p:cNvPr id="4" name="コンテンツ プレースホルダー 3"/>
+          <p:cNvPicPr>
+            <a:picLocks noGrp="1" noChangeAspect="1"/>
+          </p:cNvPicPr>
+          <p:nvPr>
+            <p:ph idx="1"/>
+          </p:nvPr>
+        </p:nvPicPr>
+        <p:blipFill>
+          <a:blip r:embed="rId2">
+            <a:extLst>
+              <a:ext uri="{28A0092B-C50C-407E-A947-70E740481C1C}">
+                <a14:useLocalDpi xmlns:a14="http://schemas.microsoft.com/office/drawing/2010/main" val="0"/>
+              </a:ext>
+            </a:extLst>
+          </a:blip>
+          <a:stretch>
+            <a:fillRect/>
+          </a:stretch>
+        </p:blipFill>
+        <p:spPr>
+          <a:xfrm>
+            <a:off x="838201" y="1413940"/>
+            <a:ext cx="2845526" cy="4581912"/>
+          </a:xfrm>
+        </p:spPr>
+      </p:pic>
+      <p:pic>
+        <p:nvPicPr>
+          <p:cNvPr id="5" name="図 4"/>
+          <p:cNvPicPr>
+            <a:picLocks noChangeAspect="1"/>
+          </p:cNvPicPr>
+          <p:nvPr/>
+        </p:nvPicPr>
+        <p:blipFill>
+          <a:blip r:embed="rId3">
+            <a:extLst>
+              <a:ext uri="{28A0092B-C50C-407E-A947-70E740481C1C}">
+                <a14:useLocalDpi xmlns:a14="http://schemas.microsoft.com/office/drawing/2010/main" val="0"/>
+              </a:ext>
+            </a:extLst>
+          </a:blip>
+          <a:stretch>
+            <a:fillRect/>
+          </a:stretch>
+        </p:blipFill>
+        <p:spPr>
+          <a:xfrm>
+            <a:off x="3683726" y="1413940"/>
+            <a:ext cx="2834639" cy="4581912"/>
+          </a:xfrm>
+          <a:prstGeom prst="rect">
+            <a:avLst/>
+          </a:prstGeom>
+        </p:spPr>
+      </p:pic>
+      <p:sp>
+        <p:nvSpPr>
+          <p:cNvPr id="6" name="テキスト ボックス 5"/>
+          <p:cNvSpPr txBox="1"/>
+          <p:nvPr/>
+        </p:nvSpPr>
+        <p:spPr>
+          <a:xfrm>
+            <a:off x="6635931" y="1541417"/>
+            <a:ext cx="4717869" cy="3939540"/>
+          </a:xfrm>
+          <a:prstGeom prst="rect">
+            <a:avLst/>
+          </a:prstGeom>
+          <a:noFill/>
+        </p:spPr>
+        <p:txBody>
+          <a:bodyPr wrap="square" rtlCol="0">
+            <a:spAutoFit/>
+          </a:bodyPr>
+          <a:lstStyle/>
+          <a:p>
+            <a:r>
+              <a:rPr lang="ja-JP" altLang="en-US" sz="2000" b="1" dirty="0" smtClean="0">
+                <a:latin typeface="+mj-ea"/>
+              </a:rPr>
+              <a:t>当時</a:t>
+            </a:r>
+            <a:r>
+              <a:rPr lang="ja-JP" altLang="en-US" sz="2000" b="1" dirty="0">
+                <a:latin typeface="+mj-ea"/>
+              </a:rPr>
+              <a:t>の製織技術はまだ初歩的なものだったため、布地は細かく織られていたため、委託シャツは徐々に</a:t>
+            </a:r>
+            <a:r>
+              <a:rPr lang="en-US" altLang="ja-JP" sz="2000" b="1" dirty="0">
+                <a:latin typeface="+mj-ea"/>
+              </a:rPr>
+              <a:t>4</a:t>
+            </a:r>
+            <a:r>
+              <a:rPr lang="ja-JP" altLang="en-US" sz="2000" b="1" dirty="0">
+                <a:latin typeface="+mj-ea"/>
+              </a:rPr>
+              <a:t>ピースのシャツになりました。シャツは背中の後ろの</a:t>
+            </a:r>
+            <a:r>
+              <a:rPr lang="en-US" altLang="ja-JP" sz="2000" b="1" dirty="0">
+                <a:latin typeface="+mj-ea"/>
+              </a:rPr>
+              <a:t>2</a:t>
+            </a:r>
+            <a:r>
+              <a:rPr lang="ja-JP" altLang="en-US" sz="2000" b="1" dirty="0" err="1">
+                <a:latin typeface="+mj-ea"/>
+              </a:rPr>
+              <a:t>つの</a:t>
+            </a:r>
+            <a:r>
+              <a:rPr lang="ja-JP" altLang="en-US" sz="2000" b="1" dirty="0">
+                <a:latin typeface="+mj-ea"/>
+              </a:rPr>
+              <a:t>部分で構成され、背中の間でつなぎ合わされ、前の</a:t>
+            </a:r>
+            <a:r>
+              <a:rPr lang="en-US" altLang="ja-JP" sz="2000" b="1" dirty="0">
+                <a:latin typeface="+mj-ea"/>
+              </a:rPr>
+              <a:t>2</a:t>
+            </a:r>
+            <a:r>
+              <a:rPr lang="ja-JP" altLang="en-US" sz="2000" b="1" dirty="0" err="1">
+                <a:latin typeface="+mj-ea"/>
+              </a:rPr>
+              <a:t>つの</a:t>
+            </a:r>
+            <a:r>
+              <a:rPr lang="ja-JP" altLang="en-US" sz="2000" b="1" dirty="0">
+                <a:latin typeface="+mj-ea"/>
+              </a:rPr>
+              <a:t>部分は縛られ、深いスカートのあるキャミソールを着て、中央の</a:t>
+            </a:r>
+            <a:r>
+              <a:rPr lang="en-US" altLang="ja-JP" sz="2000" b="1" dirty="0">
+                <a:latin typeface="+mj-ea"/>
+              </a:rPr>
+              <a:t>2</a:t>
+            </a:r>
+            <a:r>
+              <a:rPr lang="ja-JP" altLang="en-US" sz="2000" b="1" dirty="0" err="1">
+                <a:latin typeface="+mj-ea"/>
+              </a:rPr>
+              <a:t>つの</a:t>
+            </a:r>
+            <a:r>
+              <a:rPr lang="ja-JP" altLang="en-US" sz="2000" b="1" dirty="0">
+                <a:latin typeface="+mj-ea"/>
+              </a:rPr>
+              <a:t>フラップに落とされます。ボディースーツは、一生懸命働き、機知に富み、面倒な一年中田舎の女性に適しています。</a:t>
+            </a:r>
+            <a:endParaRPr kumimoji="0" lang="ja-JP" altLang="ja-JP" sz="2000" b="1" dirty="0">
+              <a:latin typeface="+mj-ea"/>
+            </a:endParaRPr>
+          </a:p>
+          <a:p>
+            <a:endParaRPr lang="ja-JP" altLang="en-US" sz="1200" b="1" dirty="0">
+              <a:latin typeface="+mj-ea"/>
+            </a:endParaRPr>
+          </a:p>
+          <a:p>
+            <a:endParaRPr kumimoji="1" lang="ja-JP" altLang="en-US" dirty="0"/>
+          </a:p>
+        </p:txBody>
+      </p:sp>
+      <p:sp>
+        <p:nvSpPr>
+          <p:cNvPr id="7" name="テキスト ボックス 6"/>
+          <p:cNvSpPr txBox="1"/>
+          <p:nvPr/>
+        </p:nvSpPr>
+        <p:spPr>
+          <a:xfrm>
+            <a:off x="2592976" y="964865"/>
+            <a:ext cx="2508069" cy="369332"/>
+          </a:xfrm>
+          <a:prstGeom prst="rect">
+            <a:avLst/>
+          </a:prstGeom>
+          <a:solidFill>
+            <a:schemeClr val="accent1">
+              <a:lumMod val="40000"/>
+              <a:lumOff val="60000"/>
+            </a:schemeClr>
+          </a:solidFill>
+        </p:spPr>
+        <p:txBody>
+          <a:bodyPr wrap="square" rtlCol="0">
+            <a:spAutoFit/>
+          </a:bodyPr>
+          <a:lstStyle/>
+          <a:p>
+            <a:pPr algn="ctr"/>
+            <a:r>
+              <a:rPr kumimoji="1" lang="ja-JP" altLang="en-US" b="1" dirty="0" smtClean="0">
+                <a:solidFill>
+                  <a:srgbClr val="C00000"/>
+                </a:solidFill>
+              </a:rPr>
+              <a:t>昔のアオザイ</a:t>
+            </a:r>
+            <a:endParaRPr kumimoji="1" lang="ja-JP" altLang="en-US" b="1" dirty="0">
+              <a:solidFill>
+                <a:srgbClr val="C00000"/>
+              </a:solidFill>
+            </a:endParaRPr>
           </a:p>
         </p:txBody>
       </p:sp>
     </p:spTree>
     <p:extLst>
       <p:ext uri="{BB962C8B-B14F-4D97-AF65-F5344CB8AC3E}">
-        <p14:creationId xmlns:p14="http://schemas.microsoft.com/office/powerpoint/2010/main" val="3746975484"/>
+        <p14:creationId xmlns:p14="http://schemas.microsoft.com/office/powerpoint/2010/main" val="176459366"/>
       </p:ext>
     </p:extLst>
   </p:cSld>
@@ -4545,8 +5112,8 @@
         </p:nvSpPr>
         <p:spPr>
           <a:xfrm>
-            <a:off x="95114" y="365125"/>
-            <a:ext cx="11258686" cy="575401"/>
+            <a:off x="838200" y="179145"/>
+            <a:ext cx="10515600" cy="735255"/>
           </a:xfrm>
           <a:solidFill>
             <a:srgbClr val="00B050"/>
@@ -4560,22 +5127,38 @@
           <a:p>
             <a:pPr algn="ctr"/>
             <a:r>
-              <a:rPr lang="ja-JP" altLang="en-US" b="1" dirty="0" smtClean="0"/>
-              <a:t>ベトナムのアオザイ</a:t>
-            </a:r>
+              <a:rPr lang="en-US" altLang="ja-JP" sz="6000" b="1" dirty="0" smtClean="0"/>
+              <a:t/>
+            </a:r>
+            <a:br>
+              <a:rPr lang="en-US" altLang="ja-JP" sz="6000" b="1" dirty="0" smtClean="0"/>
+            </a:br>
+            <a:r>
+              <a:rPr lang="ja-JP" altLang="en-US" sz="6000" b="1" dirty="0" smtClean="0"/>
+              <a:t>旅行</a:t>
+            </a:r>
+            <a:r>
+              <a:rPr lang="ja-JP" altLang="en-US" sz="6000" b="1" dirty="0"/>
+              <a:t>の交通手段</a:t>
+            </a:r>
+            <a:r>
+              <a:rPr lang="ja-JP" altLang="en-US" b="1" dirty="0"/>
+              <a:t/>
+            </a:r>
+            <a:br>
+              <a:rPr lang="ja-JP" altLang="en-US" b="1" dirty="0"/>
+            </a:br>
             <a:endParaRPr kumimoji="1" lang="ja-JP" altLang="en-US" b="1" dirty="0"/>
           </a:p>
         </p:txBody>
       </p:sp>
       <p:pic>
         <p:nvPicPr>
-          <p:cNvPr id="4" name="コンテンツ プレースホルダー 3"/>
+          <p:cNvPr id="4" name="図 3"/>
           <p:cNvPicPr>
-            <a:picLocks noGrp="1" noChangeAspect="1"/>
+            <a:picLocks noChangeAspect="1"/>
           </p:cNvPicPr>
-          <p:nvPr>
-            <p:ph idx="1"/>
-          </p:nvPr>
+          <p:nvPr/>
         </p:nvPicPr>
         <p:blipFill>
           <a:blip r:embed="rId2">
@@ -4591,9 +5174,12 @@
         </p:blipFill>
         <p:spPr>
           <a:xfrm>
-            <a:off x="95114" y="1690688"/>
-            <a:ext cx="1943371" cy="4077269"/>
-          </a:xfrm>
+            <a:off x="705601" y="1118145"/>
+            <a:ext cx="3573458" cy="2523958"/>
+          </a:xfrm>
+          <a:prstGeom prst="rect">
+            <a:avLst/>
+          </a:prstGeom>
         </p:spPr>
       </p:pic>
       <p:pic>
@@ -4618,54 +5204,24 @@
         </p:blipFill>
         <p:spPr>
           <a:xfrm>
-            <a:off x="2125614" y="1690688"/>
-            <a:ext cx="2074668" cy="4077269"/>
+            <a:off x="705601" y="3845848"/>
+            <a:ext cx="3573458" cy="2734788"/>
           </a:xfrm>
           <a:prstGeom prst="rect">
             <a:avLst/>
           </a:prstGeom>
         </p:spPr>
       </p:pic>
-      <p:pic>
-        <p:nvPicPr>
-          <p:cNvPr id="6" name="図 5"/>
-          <p:cNvPicPr>
-            <a:picLocks noChangeAspect="1"/>
-          </p:cNvPicPr>
-          <p:nvPr/>
-        </p:nvPicPr>
-        <p:blipFill>
-          <a:blip r:embed="rId4">
-            <a:extLst>
-              <a:ext uri="{28A0092B-C50C-407E-A947-70E740481C1C}">
-                <a14:useLocalDpi xmlns:a14="http://schemas.microsoft.com/office/drawing/2010/main" val="0"/>
-              </a:ext>
-            </a:extLst>
-          </a:blip>
-          <a:stretch>
-            <a:fillRect/>
-          </a:stretch>
-        </p:blipFill>
-        <p:spPr>
-          <a:xfrm>
-            <a:off x="4287411" y="1690688"/>
-            <a:ext cx="2029108" cy="4077269"/>
-          </a:xfrm>
-          <a:prstGeom prst="rect">
-            <a:avLst/>
-          </a:prstGeom>
-        </p:spPr>
-      </p:pic>
-      <p:sp>
-        <p:nvSpPr>
-          <p:cNvPr id="8" name="テキスト ボックス 7"/>
+      <p:sp>
+        <p:nvSpPr>
+          <p:cNvPr id="6" name="テキスト ボックス 5"/>
           <p:cNvSpPr txBox="1"/>
           <p:nvPr/>
         </p:nvSpPr>
         <p:spPr>
           <a:xfrm>
-            <a:off x="6596743" y="1690688"/>
-            <a:ext cx="4757057" cy="3416320"/>
+            <a:off x="4463512" y="1118145"/>
+            <a:ext cx="6890288" cy="2819170"/>
           </a:xfrm>
           <a:prstGeom prst="rect">
             <a:avLst/>
@@ -4678,227 +5234,44 @@
           </a:bodyPr>
           <a:lstStyle/>
           <a:p>
-            <a:r>
-              <a:rPr lang="ja-JP" altLang="en-US" sz="2400" b="1" dirty="0">
-                <a:latin typeface="+mj-ea"/>
-              </a:rPr>
-              <a:t>伝統的なアオザイの女性の美しさを否定することはできません。このドレスは、休暇中、講堂な​​</a:t>
-            </a:r>
-            <a:r>
-              <a:rPr lang="ja-JP" altLang="en-US" sz="2400" b="1" dirty="0" err="1">
-                <a:latin typeface="+mj-ea"/>
-              </a:rPr>
-              <a:t>どで</a:t>
-            </a:r>
-            <a:r>
-              <a:rPr lang="ja-JP" altLang="en-US" sz="2400" b="1" dirty="0">
-                <a:latin typeface="+mj-ea"/>
-              </a:rPr>
-              <a:t>女性が引き続き使用します</a:t>
-            </a:r>
-            <a:endParaRPr lang="en-US" altLang="ja-JP" sz="2400" b="1" dirty="0">
-              <a:latin typeface="+mj-ea"/>
-            </a:endParaRPr>
-          </a:p>
-          <a:p>
-            <a:r>
-              <a:rPr kumimoji="0" lang="ja-JP" altLang="ja-JP" sz="2400" b="1" dirty="0">
-                <a:solidFill>
-                  <a:srgbClr val="222222"/>
-                </a:solidFill>
-                <a:latin typeface="+mj-ea"/>
-              </a:rPr>
-              <a:t>現代のファッションリズムに合わせて、ドレスがリニューアルされました。シャツの一部から：襟、袖、トランク、ボタン、またはパンツを合わせて着用</a:t>
-            </a:r>
-            <a:r>
-              <a:rPr kumimoji="0" lang="ja-JP" altLang="ja-JP" sz="2400" b="1" dirty="0">
-                <a:latin typeface="+mj-ea"/>
-              </a:rPr>
-              <a:t> </a:t>
-            </a:r>
-            <a:endParaRPr kumimoji="0" lang="en-US" altLang="ja-JP" sz="2400" b="1" dirty="0">
-              <a:latin typeface="+mj-ea"/>
-            </a:endParaRPr>
-          </a:p>
-        </p:txBody>
-      </p:sp>
-      <p:sp>
-        <p:nvSpPr>
-          <p:cNvPr id="9" name="テキスト ボックス 8"/>
+            <a:pPr>
+              <a:lnSpc>
+                <a:spcPct val="150000"/>
+              </a:lnSpc>
+            </a:pPr>
+            <a:r>
+              <a:rPr lang="ja-JP" altLang="en-US" sz="2000" b="1" dirty="0"/>
+              <a:t>この車両にはドライバーを含む各</a:t>
+            </a:r>
+            <a:r>
+              <a:rPr lang="en-US" altLang="ja-JP" sz="2000" b="1" dirty="0"/>
+              <a:t>8</a:t>
+            </a:r>
+            <a:r>
+              <a:rPr lang="ja-JP" altLang="en-US" sz="2000" b="1" dirty="0"/>
+              <a:t>席があり、車にはゲストが街の景色を楽しむためのドアがなく、低地にあり、低速で走るため非常に安全です。ボイスオーバースピーカーシステムもあり、ゲストが行く場所について詳しく知ることができます。</a:t>
+            </a:r>
+          </a:p>
+          <a:p>
+            <a:pPr>
+              <a:lnSpc>
+                <a:spcPct val="150000"/>
+              </a:lnSpc>
+            </a:pPr>
+            <a:endParaRPr kumimoji="1" lang="ja-JP" altLang="en-US" sz="2000" dirty="0"/>
+          </a:p>
+        </p:txBody>
+      </p:sp>
+      <p:sp>
+        <p:nvSpPr>
+          <p:cNvPr id="7" name="テキスト ボックス 6"/>
           <p:cNvSpPr txBox="1"/>
           <p:nvPr/>
         </p:nvSpPr>
         <p:spPr>
           <a:xfrm>
-            <a:off x="1711234" y="1173383"/>
-            <a:ext cx="2090057" cy="400110"/>
-          </a:xfrm>
-          <a:prstGeom prst="rect">
-            <a:avLst/>
-          </a:prstGeom>
-          <a:solidFill>
-            <a:schemeClr val="accent2">
-              <a:lumMod val="60000"/>
-              <a:lumOff val="40000"/>
-            </a:schemeClr>
-          </a:solidFill>
-        </p:spPr>
-        <p:txBody>
-          <a:bodyPr wrap="square" rtlCol="0">
-            <a:spAutoFit/>
-          </a:bodyPr>
-          <a:lstStyle/>
-          <a:p>
-            <a:pPr algn="ctr"/>
-            <a:r>
-              <a:rPr kumimoji="1" lang="ja-JP" altLang="en-US" sz="2000" b="1" dirty="0" smtClean="0">
-                <a:solidFill>
-                  <a:srgbClr val="C00000"/>
-                </a:solidFill>
-              </a:rPr>
-              <a:t>新しいデザイン</a:t>
-            </a:r>
-            <a:endParaRPr kumimoji="1" lang="ja-JP" altLang="en-US" sz="2000" b="1" dirty="0">
-              <a:solidFill>
-                <a:srgbClr val="C00000"/>
-              </a:solidFill>
-            </a:endParaRPr>
-          </a:p>
-        </p:txBody>
-      </p:sp>
-    </p:spTree>
-    <p:extLst>
-      <p:ext uri="{BB962C8B-B14F-4D97-AF65-F5344CB8AC3E}">
-        <p14:creationId xmlns:p14="http://schemas.microsoft.com/office/powerpoint/2010/main" val="309524337"/>
-      </p:ext>
-    </p:extLst>
-  </p:cSld>
-  <p:clrMapOvr>
-    <a:masterClrMapping/>
-  </p:clrMapOvr>
-</p:sld>
-</file>
-
-<file path=ppt/slides/slide7.xml><?xml version="1.0" encoding="utf-8"?>
-<p:sld xmlns:a="http://schemas.openxmlformats.org/drawingml/2006/main" xmlns:r="http://schemas.openxmlformats.org/officeDocument/2006/relationships" xmlns:p="http://schemas.openxmlformats.org/presentationml/2006/main">
-  <p:cSld>
-    <p:spTree>
-      <p:nvGrpSpPr>
-        <p:cNvPr id="1" name=""/>
-        <p:cNvGrpSpPr/>
-        <p:nvPr/>
-      </p:nvGrpSpPr>
-      <p:grpSpPr>
-        <a:xfrm>
-          <a:off x="0" y="0"/>
-          <a:ext cx="0" cy="0"/>
-          <a:chOff x="0" y="0"/>
-          <a:chExt cx="0" cy="0"/>
-        </a:xfrm>
-      </p:grpSpPr>
-      <p:sp>
-        <p:nvSpPr>
-          <p:cNvPr id="2" name="タイトル 1"/>
-          <p:cNvSpPr>
-            <a:spLocks noGrp="1"/>
-          </p:cNvSpPr>
-          <p:nvPr>
-            <p:ph type="title"/>
-          </p:nvPr>
-        </p:nvSpPr>
-        <p:spPr>
-          <a:xfrm>
-            <a:off x="838201" y="156120"/>
-            <a:ext cx="10515600" cy="601526"/>
-          </a:xfrm>
-          <a:solidFill>
-            <a:srgbClr val="00B050"/>
-          </a:solidFill>
-        </p:spPr>
-        <p:txBody>
-          <a:bodyPr>
-            <a:normAutofit fontScale="90000"/>
-          </a:bodyPr>
-          <a:lstStyle/>
-          <a:p>
-            <a:pPr algn="ctr"/>
-            <a:r>
-              <a:rPr lang="ja-JP" altLang="en-US" b="1" dirty="0"/>
-              <a:t>ベトナムのアオザイ</a:t>
-            </a:r>
-            <a:endParaRPr kumimoji="1" lang="ja-JP" altLang="en-US" dirty="0"/>
-          </a:p>
-        </p:txBody>
-      </p:sp>
-      <p:pic>
-        <p:nvPicPr>
-          <p:cNvPr id="4" name="コンテンツ プレースホルダー 3"/>
-          <p:cNvPicPr>
-            <a:picLocks noGrp="1" noChangeAspect="1"/>
-          </p:cNvPicPr>
-          <p:nvPr>
-            <p:ph idx="1"/>
-          </p:nvPr>
-        </p:nvPicPr>
-        <p:blipFill>
-          <a:blip r:embed="rId2">
-            <a:extLst>
-              <a:ext uri="{28A0092B-C50C-407E-A947-70E740481C1C}">
-                <a14:useLocalDpi xmlns:a14="http://schemas.microsoft.com/office/drawing/2010/main" val="0"/>
-              </a:ext>
-            </a:extLst>
-          </a:blip>
-          <a:stretch>
-            <a:fillRect/>
-          </a:stretch>
-        </p:blipFill>
-        <p:spPr>
-          <a:xfrm>
-            <a:off x="838201" y="1413940"/>
-            <a:ext cx="2845526" cy="4581912"/>
-          </a:xfrm>
-        </p:spPr>
-      </p:pic>
-      <p:pic>
-        <p:nvPicPr>
-          <p:cNvPr id="5" name="図 4"/>
-          <p:cNvPicPr>
-            <a:picLocks noChangeAspect="1"/>
-          </p:cNvPicPr>
-          <p:nvPr/>
-        </p:nvPicPr>
-        <p:blipFill>
-          <a:blip r:embed="rId3">
-            <a:extLst>
-              <a:ext uri="{28A0092B-C50C-407E-A947-70E740481C1C}">
-                <a14:useLocalDpi xmlns:a14="http://schemas.microsoft.com/office/drawing/2010/main" val="0"/>
-              </a:ext>
-            </a:extLst>
-          </a:blip>
-          <a:stretch>
-            <a:fillRect/>
-          </a:stretch>
-        </p:blipFill>
-        <p:spPr>
-          <a:xfrm>
-            <a:off x="3683726" y="1413940"/>
-            <a:ext cx="2834639" cy="4581912"/>
-          </a:xfrm>
-          <a:prstGeom prst="rect">
-            <a:avLst/>
-          </a:prstGeom>
-        </p:spPr>
-      </p:pic>
-      <p:sp>
-        <p:nvSpPr>
-          <p:cNvPr id="6" name="テキスト ボックス 5"/>
-          <p:cNvSpPr txBox="1"/>
-          <p:nvPr/>
-        </p:nvSpPr>
-        <p:spPr>
-          <a:xfrm>
-            <a:off x="6635931" y="1541417"/>
-            <a:ext cx="4717869" cy="3939540"/>
+            <a:off x="4463512" y="3845848"/>
+            <a:ext cx="6890288" cy="2819170"/>
           </a:xfrm>
           <a:prstGeom prst="rect">
             <a:avLst/>
@@ -4911,146 +5284,30 @@
           </a:bodyPr>
           <a:lstStyle/>
           <a:p>
-            <a:r>
-              <a:rPr lang="ja-JP" altLang="en-US" sz="2000" b="1" dirty="0" smtClean="0">
-                <a:latin typeface="+mj-ea"/>
-              </a:rPr>
-              <a:t>当時</a:t>
-            </a:r>
-            <a:r>
-              <a:rPr lang="ja-JP" altLang="en-US" sz="2000" b="1" dirty="0">
-                <a:latin typeface="+mj-ea"/>
-              </a:rPr>
-              <a:t>の製織技術はまだ初歩的なものだったため、布地は細かく織られていたため、委託シャツは徐々に</a:t>
-            </a:r>
-            <a:r>
-              <a:rPr lang="en-US" altLang="ja-JP" sz="2000" b="1" dirty="0">
-                <a:latin typeface="+mj-ea"/>
-              </a:rPr>
-              <a:t>4</a:t>
-            </a:r>
-            <a:r>
-              <a:rPr lang="ja-JP" altLang="en-US" sz="2000" b="1" dirty="0">
-                <a:latin typeface="+mj-ea"/>
-              </a:rPr>
-              <a:t>ピースのシャツになりました。シャツは背中の後ろの</a:t>
-            </a:r>
-            <a:r>
-              <a:rPr lang="en-US" altLang="ja-JP" sz="2000" b="1" dirty="0">
-                <a:latin typeface="+mj-ea"/>
-              </a:rPr>
-              <a:t>2</a:t>
-            </a:r>
-            <a:r>
-              <a:rPr lang="ja-JP" altLang="en-US" sz="2000" b="1" dirty="0" err="1">
-                <a:latin typeface="+mj-ea"/>
-              </a:rPr>
-              <a:t>つの</a:t>
-            </a:r>
-            <a:r>
-              <a:rPr lang="ja-JP" altLang="en-US" sz="2000" b="1" dirty="0">
-                <a:latin typeface="+mj-ea"/>
-              </a:rPr>
-              <a:t>部分で構成され、背中の間でつなぎ合わされ、前の</a:t>
-            </a:r>
-            <a:r>
-              <a:rPr lang="en-US" altLang="ja-JP" sz="2000" b="1" dirty="0">
-                <a:latin typeface="+mj-ea"/>
-              </a:rPr>
-              <a:t>2</a:t>
-            </a:r>
-            <a:r>
-              <a:rPr lang="ja-JP" altLang="en-US" sz="2000" b="1" dirty="0" err="1">
-                <a:latin typeface="+mj-ea"/>
-              </a:rPr>
-              <a:t>つの</a:t>
-            </a:r>
-            <a:r>
-              <a:rPr lang="ja-JP" altLang="en-US" sz="2000" b="1" dirty="0">
-                <a:latin typeface="+mj-ea"/>
-              </a:rPr>
-              <a:t>部分は縛られ、深いスカートのあるキャミソールを着て、中央の</a:t>
-            </a:r>
-            <a:r>
-              <a:rPr lang="en-US" altLang="ja-JP" sz="2000" b="1" dirty="0">
-                <a:latin typeface="+mj-ea"/>
-              </a:rPr>
-              <a:t>2</a:t>
-            </a:r>
-            <a:r>
-              <a:rPr lang="ja-JP" altLang="en-US" sz="2000" b="1" dirty="0" err="1">
-                <a:latin typeface="+mj-ea"/>
-              </a:rPr>
-              <a:t>つの</a:t>
-            </a:r>
-            <a:r>
-              <a:rPr lang="ja-JP" altLang="en-US" sz="2000" b="1" dirty="0">
-                <a:latin typeface="+mj-ea"/>
-              </a:rPr>
-              <a:t>フラップに落とされます。ボディースーツは、一生懸命働き、機知に富み、面倒な一年中田舎の女性に適しています。</a:t>
-            </a:r>
-            <a:endParaRPr kumimoji="0" lang="ja-JP" altLang="ja-JP" sz="2000" b="1" dirty="0">
-              <a:latin typeface="+mj-ea"/>
-            </a:endParaRPr>
-          </a:p>
-          <a:p>
-            <a:endParaRPr lang="ja-JP" altLang="en-US" sz="1200" b="1" dirty="0">
-              <a:latin typeface="+mj-ea"/>
-            </a:endParaRPr>
-          </a:p>
-          <a:p>
-            <a:endParaRPr kumimoji="1" lang="ja-JP" altLang="en-US" dirty="0"/>
-          </a:p>
-        </p:txBody>
-      </p:sp>
-      <p:sp>
-        <p:nvSpPr>
-          <p:cNvPr id="7" name="テキスト ボックス 6"/>
-          <p:cNvSpPr txBox="1"/>
-          <p:nvPr/>
-        </p:nvSpPr>
-        <p:spPr>
-          <a:xfrm>
-            <a:off x="2592976" y="964865"/>
-            <a:ext cx="2508069" cy="369332"/>
-          </a:xfrm>
-          <a:prstGeom prst="rect">
-            <a:avLst/>
-          </a:prstGeom>
-          <a:solidFill>
-            <a:schemeClr val="accent1">
-              <a:lumMod val="40000"/>
-              <a:lumOff val="60000"/>
-            </a:schemeClr>
-          </a:solidFill>
-        </p:spPr>
-        <p:txBody>
-          <a:bodyPr wrap="square" rtlCol="0">
-            <a:spAutoFit/>
-          </a:bodyPr>
-          <a:lstStyle/>
-          <a:p>
-            <a:pPr algn="ctr"/>
-            <a:r>
-              <a:rPr kumimoji="1" lang="ja-JP" altLang="en-US" b="1" dirty="0" smtClean="0">
-                <a:solidFill>
-                  <a:srgbClr val="C00000"/>
-                </a:solidFill>
-              </a:rPr>
-              <a:t>昔のアオザイ</a:t>
-            </a:r>
-            <a:endParaRPr kumimoji="1" lang="ja-JP" altLang="en-US" b="1" dirty="0">
-              <a:solidFill>
-                <a:srgbClr val="C00000"/>
-              </a:solidFill>
-            </a:endParaRPr>
+            <a:pPr>
+              <a:lnSpc>
+                <a:spcPct val="150000"/>
+              </a:lnSpc>
+            </a:pPr>
+            <a:r>
+              <a:rPr lang="ja-JP" altLang="en-US" sz="2000" b="1" dirty="0"/>
+              <a:t>ｼｯﾛ旅行は、それがもたらす経験から、外国人旅行者に非常に興味を持っています。したがって、ハノイの旧市街やホアンキエム湖周辺を訪れると、街を探索しているｼｯﾛ観光に座っている外国人観光客のイメージを簡単に捉えることができます。</a:t>
+            </a:r>
+          </a:p>
+          <a:p>
+            <a:pPr>
+              <a:lnSpc>
+                <a:spcPct val="150000"/>
+              </a:lnSpc>
+            </a:pPr>
+            <a:endParaRPr kumimoji="1" lang="ja-JP" altLang="en-US" sz="2000" dirty="0"/>
           </a:p>
         </p:txBody>
       </p:sp>
     </p:spTree>
     <p:extLst>
       <p:ext uri="{BB962C8B-B14F-4D97-AF65-F5344CB8AC3E}">
-        <p14:creationId xmlns:p14="http://schemas.microsoft.com/office/powerpoint/2010/main" val="176459366"/>
+        <p14:creationId xmlns:p14="http://schemas.microsoft.com/office/powerpoint/2010/main" val="3875407258"/>
       </p:ext>
     </p:extLst>
   </p:cSld>
